--- a/Project_progress_Agenda.pptx
+++ b/Project_progress_Agenda.pptx
@@ -253,7 +253,7 @@
           <a:p>
             <a:fld id="{88AD2840-A1B5-46D5-88CF-FF803D9C05FA}" type="datetimeFigureOut">
               <a:rPr lang="en-US" smtClean="0"/>
-              <a:t>04-Apr-20</a:t>
+              <a:t>4/4/2020</a:t>
             </a:fld>
             <a:endParaRPr lang="en-US"/>
           </a:p>
@@ -421,7 +421,7 @@
           <a:p>
             <a:fld id="{88AD2840-A1B5-46D5-88CF-FF803D9C05FA}" type="datetimeFigureOut">
               <a:rPr lang="en-US" smtClean="0"/>
-              <a:t>04-Apr-20</a:t>
+              <a:t>4/4/2020</a:t>
             </a:fld>
             <a:endParaRPr lang="en-US"/>
           </a:p>
@@ -599,7 +599,7 @@
           <a:p>
             <a:fld id="{88AD2840-A1B5-46D5-88CF-FF803D9C05FA}" type="datetimeFigureOut">
               <a:rPr lang="en-US" smtClean="0"/>
-              <a:t>04-Apr-20</a:t>
+              <a:t>4/4/2020</a:t>
             </a:fld>
             <a:endParaRPr lang="en-US"/>
           </a:p>
@@ -767,7 +767,7 @@
           <a:p>
             <a:fld id="{88AD2840-A1B5-46D5-88CF-FF803D9C05FA}" type="datetimeFigureOut">
               <a:rPr lang="en-US" smtClean="0"/>
-              <a:t>04-Apr-20</a:t>
+              <a:t>4/4/2020</a:t>
             </a:fld>
             <a:endParaRPr lang="en-US"/>
           </a:p>
@@ -1012,7 +1012,7 @@
           <a:p>
             <a:fld id="{88AD2840-A1B5-46D5-88CF-FF803D9C05FA}" type="datetimeFigureOut">
               <a:rPr lang="en-US" smtClean="0"/>
-              <a:t>04-Apr-20</a:t>
+              <a:t>4/4/2020</a:t>
             </a:fld>
             <a:endParaRPr lang="en-US"/>
           </a:p>
@@ -1241,7 +1241,7 @@
           <a:p>
             <a:fld id="{88AD2840-A1B5-46D5-88CF-FF803D9C05FA}" type="datetimeFigureOut">
               <a:rPr lang="en-US" smtClean="0"/>
-              <a:t>04-Apr-20</a:t>
+              <a:t>4/4/2020</a:t>
             </a:fld>
             <a:endParaRPr lang="en-US"/>
           </a:p>
@@ -1605,7 +1605,7 @@
           <a:p>
             <a:fld id="{88AD2840-A1B5-46D5-88CF-FF803D9C05FA}" type="datetimeFigureOut">
               <a:rPr lang="en-US" smtClean="0"/>
-              <a:t>04-Apr-20</a:t>
+              <a:t>4/4/2020</a:t>
             </a:fld>
             <a:endParaRPr lang="en-US"/>
           </a:p>
@@ -1722,7 +1722,7 @@
           <a:p>
             <a:fld id="{88AD2840-A1B5-46D5-88CF-FF803D9C05FA}" type="datetimeFigureOut">
               <a:rPr lang="en-US" smtClean="0"/>
-              <a:t>04-Apr-20</a:t>
+              <a:t>4/4/2020</a:t>
             </a:fld>
             <a:endParaRPr lang="en-US"/>
           </a:p>
@@ -1817,7 +1817,7 @@
           <a:p>
             <a:fld id="{88AD2840-A1B5-46D5-88CF-FF803D9C05FA}" type="datetimeFigureOut">
               <a:rPr lang="en-US" smtClean="0"/>
-              <a:t>04-Apr-20</a:t>
+              <a:t>4/4/2020</a:t>
             </a:fld>
             <a:endParaRPr lang="en-US"/>
           </a:p>
@@ -2092,7 +2092,7 @@
           <a:p>
             <a:fld id="{88AD2840-A1B5-46D5-88CF-FF803D9C05FA}" type="datetimeFigureOut">
               <a:rPr lang="en-US" smtClean="0"/>
-              <a:t>04-Apr-20</a:t>
+              <a:t>4/4/2020</a:t>
             </a:fld>
             <a:endParaRPr lang="en-US"/>
           </a:p>
@@ -2344,7 +2344,7 @@
           <a:p>
             <a:fld id="{88AD2840-A1B5-46D5-88CF-FF803D9C05FA}" type="datetimeFigureOut">
               <a:rPr lang="en-US" smtClean="0"/>
-              <a:t>04-Apr-20</a:t>
+              <a:t>4/4/2020</a:t>
             </a:fld>
             <a:endParaRPr lang="en-US"/>
           </a:p>
@@ -2555,7 +2555,7 @@
           <a:p>
             <a:fld id="{88AD2840-A1B5-46D5-88CF-FF803D9C05FA}" type="datetimeFigureOut">
               <a:rPr lang="en-US" smtClean="0"/>
-              <a:t>04-Apr-20</a:t>
+              <a:t>4/4/2020</a:t>
             </a:fld>
             <a:endParaRPr lang="en-US"/>
           </a:p>
@@ -14643,14 +14643,14 @@
           <p:nvPr>
             <p:extLst>
               <p:ext uri="{D42A27DB-BD31-4B8C-83A1-F6EECF244321}">
-                <p14:modId xmlns:p14="http://schemas.microsoft.com/office/powerpoint/2010/main" val="3429500052"/>
+                <p14:modId xmlns:p14="http://schemas.microsoft.com/office/powerpoint/2010/main" val="3687486478"/>
               </p:ext>
             </p:extLst>
           </p:nvPr>
         </p:nvGraphicFramePr>
         <p:xfrm>
           <a:off x="1183818" y="2714920"/>
-          <a:ext cx="9864396" cy="3581400"/>
+          <a:ext cx="9864396" cy="3779520"/>
         </p:xfrm>
         <a:graphic>
           <a:graphicData uri="http://schemas.openxmlformats.org/drawingml/2006/table">
@@ -15064,7 +15064,7 @@
                           <a:latin typeface="Arial" panose="020B0604020202020204" pitchFamily="34" charset="0"/>
                           <a:cs typeface="Arial" panose="020B0604020202020204" pitchFamily="34" charset="0"/>
                         </a:rPr>
-                        <a:t>Implementing the Sequencer</a:t>
+                        <a:t>Implementing Sequence, Sequence items and Packages</a:t>
                       </a:r>
                     </a:p>
                   </a:txBody>
@@ -15675,7 +15675,7 @@
                 <a:latin typeface="Arial" panose="020B0604020202020204" pitchFamily="34" charset="0"/>
                 <a:cs typeface="Arial" panose="020B0604020202020204" pitchFamily="34" charset="0"/>
               </a:rPr>
-              <a:t>or any available core with the same specifications</a:t>
+              <a:t>or any available core with the same instructions</a:t>
             </a:r>
             <a:r>
               <a:rPr lang="en-US" sz="2400" dirty="0">

--- a/Project_progress_Agenda.pptx
+++ b/Project_progress_Agenda.pptx
@@ -253,7 +253,7 @@
           <a:p>
             <a:fld id="{88AD2840-A1B5-46D5-88CF-FF803D9C05FA}" type="datetimeFigureOut">
               <a:rPr lang="en-US" smtClean="0"/>
-              <a:t>4/4/2020</a:t>
+              <a:t>04-Apr-20</a:t>
             </a:fld>
             <a:endParaRPr lang="en-US"/>
           </a:p>
@@ -421,7 +421,7 @@
           <a:p>
             <a:fld id="{88AD2840-A1B5-46D5-88CF-FF803D9C05FA}" type="datetimeFigureOut">
               <a:rPr lang="en-US" smtClean="0"/>
-              <a:t>4/4/2020</a:t>
+              <a:t>04-Apr-20</a:t>
             </a:fld>
             <a:endParaRPr lang="en-US"/>
           </a:p>
@@ -599,7 +599,7 @@
           <a:p>
             <a:fld id="{88AD2840-A1B5-46D5-88CF-FF803D9C05FA}" type="datetimeFigureOut">
               <a:rPr lang="en-US" smtClean="0"/>
-              <a:t>4/4/2020</a:t>
+              <a:t>04-Apr-20</a:t>
             </a:fld>
             <a:endParaRPr lang="en-US"/>
           </a:p>
@@ -767,7 +767,7 @@
           <a:p>
             <a:fld id="{88AD2840-A1B5-46D5-88CF-FF803D9C05FA}" type="datetimeFigureOut">
               <a:rPr lang="en-US" smtClean="0"/>
-              <a:t>4/4/2020</a:t>
+              <a:t>04-Apr-20</a:t>
             </a:fld>
             <a:endParaRPr lang="en-US"/>
           </a:p>
@@ -1012,7 +1012,7 @@
           <a:p>
             <a:fld id="{88AD2840-A1B5-46D5-88CF-FF803D9C05FA}" type="datetimeFigureOut">
               <a:rPr lang="en-US" smtClean="0"/>
-              <a:t>4/4/2020</a:t>
+              <a:t>04-Apr-20</a:t>
             </a:fld>
             <a:endParaRPr lang="en-US"/>
           </a:p>
@@ -1241,7 +1241,7 @@
           <a:p>
             <a:fld id="{88AD2840-A1B5-46D5-88CF-FF803D9C05FA}" type="datetimeFigureOut">
               <a:rPr lang="en-US" smtClean="0"/>
-              <a:t>4/4/2020</a:t>
+              <a:t>04-Apr-20</a:t>
             </a:fld>
             <a:endParaRPr lang="en-US"/>
           </a:p>
@@ -1605,7 +1605,7 @@
           <a:p>
             <a:fld id="{88AD2840-A1B5-46D5-88CF-FF803D9C05FA}" type="datetimeFigureOut">
               <a:rPr lang="en-US" smtClean="0"/>
-              <a:t>4/4/2020</a:t>
+              <a:t>04-Apr-20</a:t>
             </a:fld>
             <a:endParaRPr lang="en-US"/>
           </a:p>
@@ -1722,7 +1722,7 @@
           <a:p>
             <a:fld id="{88AD2840-A1B5-46D5-88CF-FF803D9C05FA}" type="datetimeFigureOut">
               <a:rPr lang="en-US" smtClean="0"/>
-              <a:t>4/4/2020</a:t>
+              <a:t>04-Apr-20</a:t>
             </a:fld>
             <a:endParaRPr lang="en-US"/>
           </a:p>
@@ -1817,7 +1817,7 @@
           <a:p>
             <a:fld id="{88AD2840-A1B5-46D5-88CF-FF803D9C05FA}" type="datetimeFigureOut">
               <a:rPr lang="en-US" smtClean="0"/>
-              <a:t>4/4/2020</a:t>
+              <a:t>04-Apr-20</a:t>
             </a:fld>
             <a:endParaRPr lang="en-US"/>
           </a:p>
@@ -2092,7 +2092,7 @@
           <a:p>
             <a:fld id="{88AD2840-A1B5-46D5-88CF-FF803D9C05FA}" type="datetimeFigureOut">
               <a:rPr lang="en-US" smtClean="0"/>
-              <a:t>4/4/2020</a:t>
+              <a:t>04-Apr-20</a:t>
             </a:fld>
             <a:endParaRPr lang="en-US"/>
           </a:p>
@@ -2344,7 +2344,7 @@
           <a:p>
             <a:fld id="{88AD2840-A1B5-46D5-88CF-FF803D9C05FA}" type="datetimeFigureOut">
               <a:rPr lang="en-US" smtClean="0"/>
-              <a:t>4/4/2020</a:t>
+              <a:t>04-Apr-20</a:t>
             </a:fld>
             <a:endParaRPr lang="en-US"/>
           </a:p>
@@ -2555,7 +2555,7 @@
           <a:p>
             <a:fld id="{88AD2840-A1B5-46D5-88CF-FF803D9C05FA}" type="datetimeFigureOut">
               <a:rPr lang="en-US" smtClean="0"/>
-              <a:t>4/4/2020</a:t>
+              <a:t>04-Apr-20</a:t>
             </a:fld>
             <a:endParaRPr lang="en-US"/>
           </a:p>
@@ -14643,7 +14643,7 @@
           <p:nvPr>
             <p:extLst>
               <p:ext uri="{D42A27DB-BD31-4B8C-83A1-F6EECF244321}">
-                <p14:modId xmlns:p14="http://schemas.microsoft.com/office/powerpoint/2010/main" val="3687486478"/>
+                <p14:modId xmlns:p14="http://schemas.microsoft.com/office/powerpoint/2010/main" val="2935704989"/>
               </p:ext>
             </p:extLst>
           </p:nvPr>
@@ -15064,8 +15064,19 @@
                           <a:latin typeface="Arial" panose="020B0604020202020204" pitchFamily="34" charset="0"/>
                           <a:cs typeface="Arial" panose="020B0604020202020204" pitchFamily="34" charset="0"/>
                         </a:rPr>
-                        <a:t>Implementing Sequence, Sequence items and Packages</a:t>
+                        <a:t>Implementing the Sequence, the Sequence items </a:t>
                       </a:r>
+                      <a:r>
+                        <a:rPr lang="en-US" sz="1300">
+                          <a:latin typeface="Arial" panose="020B0604020202020204" pitchFamily="34" charset="0"/>
+                          <a:cs typeface="Arial" panose="020B0604020202020204" pitchFamily="34" charset="0"/>
+                        </a:rPr>
+                        <a:t>and the Packages</a:t>
+                      </a:r>
+                      <a:endParaRPr lang="en-US" sz="1300" dirty="0">
+                        <a:latin typeface="Arial" panose="020B0604020202020204" pitchFamily="34" charset="0"/>
+                        <a:cs typeface="Arial" panose="020B0604020202020204" pitchFamily="34" charset="0"/>
+                      </a:endParaRPr>
                     </a:p>
                   </a:txBody>
                   <a:tcPr/>

--- a/Project_progress_Agenda.pptx
+++ b/Project_progress_Agenda.pptx
@@ -253,7 +253,7 @@
           <a:p>
             <a:fld id="{88AD2840-A1B5-46D5-88CF-FF803D9C05FA}" type="datetimeFigureOut">
               <a:rPr lang="en-US" smtClean="0"/>
-              <a:t>04-Apr-20</a:t>
+              <a:t>4/4/2020</a:t>
             </a:fld>
             <a:endParaRPr lang="en-US"/>
           </a:p>
@@ -421,7 +421,7 @@
           <a:p>
             <a:fld id="{88AD2840-A1B5-46D5-88CF-FF803D9C05FA}" type="datetimeFigureOut">
               <a:rPr lang="en-US" smtClean="0"/>
-              <a:t>04-Apr-20</a:t>
+              <a:t>4/4/2020</a:t>
             </a:fld>
             <a:endParaRPr lang="en-US"/>
           </a:p>
@@ -599,7 +599,7 @@
           <a:p>
             <a:fld id="{88AD2840-A1B5-46D5-88CF-FF803D9C05FA}" type="datetimeFigureOut">
               <a:rPr lang="en-US" smtClean="0"/>
-              <a:t>04-Apr-20</a:t>
+              <a:t>4/4/2020</a:t>
             </a:fld>
             <a:endParaRPr lang="en-US"/>
           </a:p>
@@ -767,7 +767,7 @@
           <a:p>
             <a:fld id="{88AD2840-A1B5-46D5-88CF-FF803D9C05FA}" type="datetimeFigureOut">
               <a:rPr lang="en-US" smtClean="0"/>
-              <a:t>04-Apr-20</a:t>
+              <a:t>4/4/2020</a:t>
             </a:fld>
             <a:endParaRPr lang="en-US"/>
           </a:p>
@@ -1012,7 +1012,7 @@
           <a:p>
             <a:fld id="{88AD2840-A1B5-46D5-88CF-FF803D9C05FA}" type="datetimeFigureOut">
               <a:rPr lang="en-US" smtClean="0"/>
-              <a:t>04-Apr-20</a:t>
+              <a:t>4/4/2020</a:t>
             </a:fld>
             <a:endParaRPr lang="en-US"/>
           </a:p>
@@ -1241,7 +1241,7 @@
           <a:p>
             <a:fld id="{88AD2840-A1B5-46D5-88CF-FF803D9C05FA}" type="datetimeFigureOut">
               <a:rPr lang="en-US" smtClean="0"/>
-              <a:t>04-Apr-20</a:t>
+              <a:t>4/4/2020</a:t>
             </a:fld>
             <a:endParaRPr lang="en-US"/>
           </a:p>
@@ -1605,7 +1605,7 @@
           <a:p>
             <a:fld id="{88AD2840-A1B5-46D5-88CF-FF803D9C05FA}" type="datetimeFigureOut">
               <a:rPr lang="en-US" smtClean="0"/>
-              <a:t>04-Apr-20</a:t>
+              <a:t>4/4/2020</a:t>
             </a:fld>
             <a:endParaRPr lang="en-US"/>
           </a:p>
@@ -1722,7 +1722,7 @@
           <a:p>
             <a:fld id="{88AD2840-A1B5-46D5-88CF-FF803D9C05FA}" type="datetimeFigureOut">
               <a:rPr lang="en-US" smtClean="0"/>
-              <a:t>04-Apr-20</a:t>
+              <a:t>4/4/2020</a:t>
             </a:fld>
             <a:endParaRPr lang="en-US"/>
           </a:p>
@@ -1817,7 +1817,7 @@
           <a:p>
             <a:fld id="{88AD2840-A1B5-46D5-88CF-FF803D9C05FA}" type="datetimeFigureOut">
               <a:rPr lang="en-US" smtClean="0"/>
-              <a:t>04-Apr-20</a:t>
+              <a:t>4/4/2020</a:t>
             </a:fld>
             <a:endParaRPr lang="en-US"/>
           </a:p>
@@ -2092,7 +2092,7 @@
           <a:p>
             <a:fld id="{88AD2840-A1B5-46D5-88CF-FF803D9C05FA}" type="datetimeFigureOut">
               <a:rPr lang="en-US" smtClean="0"/>
-              <a:t>04-Apr-20</a:t>
+              <a:t>4/4/2020</a:t>
             </a:fld>
             <a:endParaRPr lang="en-US"/>
           </a:p>
@@ -2344,7 +2344,7 @@
           <a:p>
             <a:fld id="{88AD2840-A1B5-46D5-88CF-FF803D9C05FA}" type="datetimeFigureOut">
               <a:rPr lang="en-US" smtClean="0"/>
-              <a:t>04-Apr-20</a:t>
+              <a:t>4/4/2020</a:t>
             </a:fld>
             <a:endParaRPr lang="en-US"/>
           </a:p>
@@ -2555,7 +2555,7 @@
           <a:p>
             <a:fld id="{88AD2840-A1B5-46D5-88CF-FF803D9C05FA}" type="datetimeFigureOut">
               <a:rPr lang="en-US" smtClean="0"/>
-              <a:t>04-Apr-20</a:t>
+              <a:t>4/4/2020</a:t>
             </a:fld>
             <a:endParaRPr lang="en-US"/>
           </a:p>
@@ -14643,7 +14643,7 @@
           <p:nvPr>
             <p:extLst>
               <p:ext uri="{D42A27DB-BD31-4B8C-83A1-F6EECF244321}">
-                <p14:modId xmlns:p14="http://schemas.microsoft.com/office/powerpoint/2010/main" val="2935704989"/>
+                <p14:modId xmlns:p14="http://schemas.microsoft.com/office/powerpoint/2010/main" val="3687486478"/>
               </p:ext>
             </p:extLst>
           </p:nvPr>
@@ -15064,19 +15064,8 @@
                           <a:latin typeface="Arial" panose="020B0604020202020204" pitchFamily="34" charset="0"/>
                           <a:cs typeface="Arial" panose="020B0604020202020204" pitchFamily="34" charset="0"/>
                         </a:rPr>
-                        <a:t>Implementing the Sequence, the Sequence items </a:t>
+                        <a:t>Implementing Sequence, Sequence items and Packages</a:t>
                       </a:r>
-                      <a:r>
-                        <a:rPr lang="en-US" sz="1300">
-                          <a:latin typeface="Arial" panose="020B0604020202020204" pitchFamily="34" charset="0"/>
-                          <a:cs typeface="Arial" panose="020B0604020202020204" pitchFamily="34" charset="0"/>
-                        </a:rPr>
-                        <a:t>and the Packages</a:t>
-                      </a:r>
-                      <a:endParaRPr lang="en-US" sz="1300" dirty="0">
-                        <a:latin typeface="Arial" panose="020B0604020202020204" pitchFamily="34" charset="0"/>
-                        <a:cs typeface="Arial" panose="020B0604020202020204" pitchFamily="34" charset="0"/>
-                      </a:endParaRPr>
                     </a:p>
                   </a:txBody>
                   <a:tcPr/>

--- a/Project_progress_Agenda.pptx
+++ b/Project_progress_Agenda.pptx
@@ -253,7 +253,7 @@
           <a:p>
             <a:fld id="{88AD2840-A1B5-46D5-88CF-FF803D9C05FA}" type="datetimeFigureOut">
               <a:rPr lang="en-US" smtClean="0"/>
-              <a:t>04-Apr-20</a:t>
+              <a:t>05-Apr-20</a:t>
             </a:fld>
             <a:endParaRPr lang="en-US"/>
           </a:p>
@@ -421,7 +421,7 @@
           <a:p>
             <a:fld id="{88AD2840-A1B5-46D5-88CF-FF803D9C05FA}" type="datetimeFigureOut">
               <a:rPr lang="en-US" smtClean="0"/>
-              <a:t>04-Apr-20</a:t>
+              <a:t>05-Apr-20</a:t>
             </a:fld>
             <a:endParaRPr lang="en-US"/>
           </a:p>
@@ -599,7 +599,7 @@
           <a:p>
             <a:fld id="{88AD2840-A1B5-46D5-88CF-FF803D9C05FA}" type="datetimeFigureOut">
               <a:rPr lang="en-US" smtClean="0"/>
-              <a:t>04-Apr-20</a:t>
+              <a:t>05-Apr-20</a:t>
             </a:fld>
             <a:endParaRPr lang="en-US"/>
           </a:p>
@@ -767,7 +767,7 @@
           <a:p>
             <a:fld id="{88AD2840-A1B5-46D5-88CF-FF803D9C05FA}" type="datetimeFigureOut">
               <a:rPr lang="en-US" smtClean="0"/>
-              <a:t>04-Apr-20</a:t>
+              <a:t>05-Apr-20</a:t>
             </a:fld>
             <a:endParaRPr lang="en-US"/>
           </a:p>
@@ -1012,7 +1012,7 @@
           <a:p>
             <a:fld id="{88AD2840-A1B5-46D5-88CF-FF803D9C05FA}" type="datetimeFigureOut">
               <a:rPr lang="en-US" smtClean="0"/>
-              <a:t>04-Apr-20</a:t>
+              <a:t>05-Apr-20</a:t>
             </a:fld>
             <a:endParaRPr lang="en-US"/>
           </a:p>
@@ -1241,7 +1241,7 @@
           <a:p>
             <a:fld id="{88AD2840-A1B5-46D5-88CF-FF803D9C05FA}" type="datetimeFigureOut">
               <a:rPr lang="en-US" smtClean="0"/>
-              <a:t>04-Apr-20</a:t>
+              <a:t>05-Apr-20</a:t>
             </a:fld>
             <a:endParaRPr lang="en-US"/>
           </a:p>
@@ -1605,7 +1605,7 @@
           <a:p>
             <a:fld id="{88AD2840-A1B5-46D5-88CF-FF803D9C05FA}" type="datetimeFigureOut">
               <a:rPr lang="en-US" smtClean="0"/>
-              <a:t>04-Apr-20</a:t>
+              <a:t>05-Apr-20</a:t>
             </a:fld>
             <a:endParaRPr lang="en-US"/>
           </a:p>
@@ -1722,7 +1722,7 @@
           <a:p>
             <a:fld id="{88AD2840-A1B5-46D5-88CF-FF803D9C05FA}" type="datetimeFigureOut">
               <a:rPr lang="en-US" smtClean="0"/>
-              <a:t>04-Apr-20</a:t>
+              <a:t>05-Apr-20</a:t>
             </a:fld>
             <a:endParaRPr lang="en-US"/>
           </a:p>
@@ -1817,7 +1817,7 @@
           <a:p>
             <a:fld id="{88AD2840-A1B5-46D5-88CF-FF803D9C05FA}" type="datetimeFigureOut">
               <a:rPr lang="en-US" smtClean="0"/>
-              <a:t>04-Apr-20</a:t>
+              <a:t>05-Apr-20</a:t>
             </a:fld>
             <a:endParaRPr lang="en-US"/>
           </a:p>
@@ -2092,7 +2092,7 @@
           <a:p>
             <a:fld id="{88AD2840-A1B5-46D5-88CF-FF803D9C05FA}" type="datetimeFigureOut">
               <a:rPr lang="en-US" smtClean="0"/>
-              <a:t>04-Apr-20</a:t>
+              <a:t>05-Apr-20</a:t>
             </a:fld>
             <a:endParaRPr lang="en-US"/>
           </a:p>
@@ -2344,7 +2344,7 @@
           <a:p>
             <a:fld id="{88AD2840-A1B5-46D5-88CF-FF803D9C05FA}" type="datetimeFigureOut">
               <a:rPr lang="en-US" smtClean="0"/>
-              <a:t>04-Apr-20</a:t>
+              <a:t>05-Apr-20</a:t>
             </a:fld>
             <a:endParaRPr lang="en-US"/>
           </a:p>
@@ -2555,7 +2555,7 @@
           <a:p>
             <a:fld id="{88AD2840-A1B5-46D5-88CF-FF803D9C05FA}" type="datetimeFigureOut">
               <a:rPr lang="en-US" smtClean="0"/>
-              <a:t>04-Apr-20</a:t>
+              <a:t>05-Apr-20</a:t>
             </a:fld>
             <a:endParaRPr lang="en-US"/>
           </a:p>
@@ -9434,7 +9434,7 @@
         </p:nvSpPr>
         <p:spPr>
           <a:xfrm>
-            <a:off x="5880144" y="3176896"/>
+            <a:off x="5898963" y="3158872"/>
             <a:ext cx="378158" cy="213479"/>
           </a:xfrm>
           <a:prstGeom prst="rect">
@@ -11929,10 +11929,45 @@
             </a:pPr>
             <a:r>
               <a:rPr lang="en-US" sz="2400" dirty="0">
-                <a:latin typeface="Franklin Gothic Book" panose="020B0503020102020204" pitchFamily="34" charset="0"/>
+                <a:latin typeface="Arial" panose="020B0604020202020204" pitchFamily="34" charset="0"/>
+                <a:cs typeface="Arial" panose="020B0604020202020204" pitchFamily="34" charset="0"/>
               </a:rPr>
-              <a:t>//</a:t>
-            </a:r>
+              <a:t>We are building a </a:t>
+            </a:r>
+            <a:r>
+              <a:rPr lang="en-US" sz="2400" b="1" i="1" dirty="0">
+                <a:latin typeface="Arial" panose="020B0604020202020204" pitchFamily="34" charset="0"/>
+                <a:cs typeface="Arial" panose="020B0604020202020204" pitchFamily="34" charset="0"/>
+              </a:rPr>
+              <a:t>generic</a:t>
+            </a:r>
+            <a:r>
+              <a:rPr lang="en-US" sz="2400" dirty="0">
+                <a:latin typeface="Arial" panose="020B0604020202020204" pitchFamily="34" charset="0"/>
+                <a:cs typeface="Arial" panose="020B0604020202020204" pitchFamily="34" charset="0"/>
+              </a:rPr>
+              <a:t> UVM to verify the functionality of three different open-source soft processors (or any available core with the same instructions and specifications), based on three different ISAs and having different number of pipeline stages (Ri5cy, Leon 2.4 and Amber a23/a25). </a:t>
+            </a:r>
+          </a:p>
+          <a:p>
+            <a:pPr marL="0" indent="0">
+              <a:buNone/>
+            </a:pPr>
+            <a:r>
+              <a:rPr lang="en-US" sz="2400" dirty="0">
+                <a:latin typeface="Arial" panose="020B0604020202020204" pitchFamily="34" charset="0"/>
+                <a:cs typeface="Arial" panose="020B0604020202020204" pitchFamily="34" charset="0"/>
+              </a:rPr>
+              <a:t>Comparing to the related works, we found none of them hosting the same idea/concept of a generic UVM (the same UVM test bench without any tweaking) to verify different IPs or soft processors, but they are all based on a quite similar UVM components infrastructure. </a:t>
+            </a:r>
+          </a:p>
+          <a:p>
+            <a:pPr marL="0" indent="0">
+              <a:buNone/>
+            </a:pPr>
+            <a:endParaRPr lang="en-US" sz="2400" dirty="0">
+              <a:latin typeface="Franklin Gothic Book" panose="020B0503020102020204" pitchFamily="34" charset="0"/>
+            </a:endParaRPr>
           </a:p>
         </p:txBody>
       </p:sp>
@@ -12233,7 +12268,8 @@
             </a:pPr>
             <a:r>
               <a:rPr lang="en-US" sz="2400" dirty="0">
-                <a:latin typeface="Franklin Gothic Book" panose="020B0503020102020204" pitchFamily="34" charset="0"/>
+                <a:latin typeface="Arial" panose="020B0604020202020204" pitchFamily="34" charset="0"/>
+                <a:cs typeface="Arial" panose="020B0604020202020204" pitchFamily="34" charset="0"/>
               </a:rPr>
               <a:t>//</a:t>
             </a:r>
@@ -12365,7 +12401,7 @@
         </p:spPr>
         <p:txBody>
           <a:bodyPr>
-            <a:normAutofit/>
+            <a:normAutofit lnSpcReduction="10000"/>
           </a:bodyPr>
           <a:lstStyle>
             <a:lvl1pPr marL="228600" indent="-228600" algn="l" defTabSz="914400" rtl="0" eaLnBrk="1" latinLnBrk="0" hangingPunct="1">
@@ -12537,10 +12573,117 @@
             </a:pPr>
             <a:r>
               <a:rPr lang="en-US" sz="2400" dirty="0">
-                <a:latin typeface="Franklin Gothic Book" panose="020B0503020102020204" pitchFamily="34" charset="0"/>
+                <a:latin typeface="Arial" panose="020B0604020202020204" pitchFamily="34" charset="0"/>
+                <a:cs typeface="Arial" panose="020B0604020202020204" pitchFamily="34" charset="0"/>
               </a:rPr>
-              <a:t>//</a:t>
-            </a:r>
+              <a:t>As a conclusion: with our 1</a:t>
+            </a:r>
+            <a:r>
+              <a:rPr lang="en-US" sz="2400" baseline="30000" dirty="0">
+                <a:latin typeface="Arial" panose="020B0604020202020204" pitchFamily="34" charset="0"/>
+                <a:cs typeface="Arial" panose="020B0604020202020204" pitchFamily="34" charset="0"/>
+              </a:rPr>
+              <a:t>st</a:t>
+            </a:r>
+            <a:r>
+              <a:rPr lang="en-US" sz="2400" dirty="0">
+                <a:latin typeface="Arial" panose="020B0604020202020204" pitchFamily="34" charset="0"/>
+                <a:cs typeface="Arial" panose="020B0604020202020204" pitchFamily="34" charset="0"/>
+              </a:rPr>
+              <a:t> milestone of the implementation of the generic UVM, we have successfully proven the possibility/idea of creating only one UVM to verify more than core (soft processor).</a:t>
+            </a:r>
+          </a:p>
+          <a:p>
+            <a:pPr marL="0" indent="0">
+              <a:buNone/>
+            </a:pPr>
+            <a:r>
+              <a:rPr lang="en-US" sz="2400" dirty="0">
+                <a:latin typeface="Arial" panose="020B0604020202020204" pitchFamily="34" charset="0"/>
+                <a:cs typeface="Arial" panose="020B0604020202020204" pitchFamily="34" charset="0"/>
+              </a:rPr>
+              <a:t>The next milestones will cover the following:  </a:t>
+            </a:r>
+          </a:p>
+          <a:p>
+            <a:pPr marL="457200" indent="-457200">
+              <a:buAutoNum type="arabicPeriod"/>
+            </a:pPr>
+            <a:r>
+              <a:rPr lang="en-US" sz="2400" dirty="0">
+                <a:latin typeface="Arial" panose="020B0604020202020204" pitchFamily="34" charset="0"/>
+                <a:cs typeface="Arial" panose="020B0604020202020204" pitchFamily="34" charset="0"/>
+              </a:rPr>
+              <a:t>Testing the functionality of the rest of  the instructions of the three different cores.</a:t>
+            </a:r>
+          </a:p>
+          <a:p>
+            <a:pPr marL="457200" indent="-457200">
+              <a:buAutoNum type="arabicPeriod"/>
+            </a:pPr>
+            <a:r>
+              <a:rPr lang="en-US" sz="2400" dirty="0">
+                <a:latin typeface="Arial" panose="020B0604020202020204" pitchFamily="34" charset="0"/>
+                <a:cs typeface="Arial" panose="020B0604020202020204" pitchFamily="34" charset="0"/>
+              </a:rPr>
+              <a:t>Negative testing.</a:t>
+            </a:r>
+          </a:p>
+          <a:p>
+            <a:pPr marL="0" indent="0">
+              <a:buNone/>
+            </a:pPr>
+            <a:r>
+              <a:rPr lang="en-US" sz="2400" dirty="0">
+                <a:latin typeface="Arial" panose="020B0604020202020204" pitchFamily="34" charset="0"/>
+                <a:cs typeface="Arial" panose="020B0604020202020204" pitchFamily="34" charset="0"/>
+              </a:rPr>
+              <a:t>Future work:</a:t>
+            </a:r>
+          </a:p>
+          <a:p>
+            <a:pPr marL="457200" indent="-457200">
+              <a:buAutoNum type="arabicPeriod"/>
+            </a:pPr>
+            <a:r>
+              <a:rPr lang="en-US" sz="2400" dirty="0">
+                <a:latin typeface="Arial" panose="020B0604020202020204" pitchFamily="34" charset="0"/>
+                <a:cs typeface="Arial" panose="020B0604020202020204" pitchFamily="34" charset="0"/>
+              </a:rPr>
+              <a:t>A complete coverage for the three DUTs.</a:t>
+            </a:r>
+          </a:p>
+          <a:p>
+            <a:pPr marL="457200" indent="-457200">
+              <a:buAutoNum type="arabicPeriod"/>
+            </a:pPr>
+            <a:r>
+              <a:rPr lang="en-US" sz="2400" dirty="0">
+                <a:latin typeface="Arial" panose="020B0604020202020204" pitchFamily="34" charset="0"/>
+                <a:cs typeface="Arial" panose="020B0604020202020204" pitchFamily="34" charset="0"/>
+              </a:rPr>
+              <a:t>Applying the concept of the generic UVM on a complete SOC.</a:t>
+            </a:r>
+          </a:p>
+          <a:p>
+            <a:pPr marL="457200" indent="-457200">
+              <a:buAutoNum type="arabicPeriod"/>
+            </a:pPr>
+            <a:r>
+              <a:rPr lang="en-US" sz="2400" dirty="0">
+                <a:latin typeface="Arial" panose="020B0604020202020204" pitchFamily="34" charset="0"/>
+                <a:cs typeface="Arial" panose="020B0604020202020204" pitchFamily="34" charset="0"/>
+              </a:rPr>
+              <a:t>Applying different machine learning algorithms to reach the golden dream/goal: only one verification methodology to verify everything.</a:t>
+            </a:r>
+          </a:p>
+          <a:p>
+            <a:pPr marL="0" indent="0">
+              <a:buNone/>
+            </a:pPr>
+            <a:endParaRPr lang="en-US" sz="2400" dirty="0">
+              <a:latin typeface="Franklin Gothic Book" panose="020B0503020102020204" pitchFamily="34" charset="0"/>
+            </a:endParaRPr>
           </a:p>
         </p:txBody>
       </p:sp>
@@ -13071,7 +13214,8 @@
             </a:pPr>
             <a:r>
               <a:rPr lang="en-US" sz="2400" dirty="0">
-                <a:latin typeface="Franklin Gothic Book" panose="020B0503020102020204" pitchFamily="34" charset="0"/>
+                <a:latin typeface="Arial" panose="020B0604020202020204" pitchFamily="34" charset="0"/>
+                <a:cs typeface="Arial" panose="020B0604020202020204" pitchFamily="34" charset="0"/>
               </a:rPr>
               <a:t>//</a:t>
             </a:r>
@@ -13415,7 +13559,7 @@
                 <a:latin typeface="Arial" panose="020B0604020202020204" pitchFamily="34" charset="0"/>
                 <a:cs typeface="Arial" panose="020B0604020202020204" pitchFamily="34" charset="0"/>
               </a:rPr>
-              <a:t>The time spent by the verification engineers to verify the functionality of any design using ordinary verification plans consumes more than 60% of the total project time.</a:t>
+              <a:t>The time spent by the verification engineers to verify the functionality of any complex design using ordinary verification plans consumes more than half of the total project time.</a:t>
             </a:r>
           </a:p>
           <a:p>
@@ -14142,9 +14286,72 @@
             </a:pPr>
             <a:r>
               <a:rPr lang="en-US" sz="2400" dirty="0">
-                <a:latin typeface="Franklin Gothic Book" panose="020B0503020102020204" pitchFamily="34" charset="0"/>
+                <a:latin typeface="Arial" panose="020B0604020202020204" pitchFamily="34" charset="0"/>
+                <a:cs typeface="Arial" panose="020B0604020202020204" pitchFamily="34" charset="0"/>
               </a:rPr>
-              <a:t>//</a:t>
+              <a:t>We didn’t find any related works with the same idea/concept of a generic UVM (the same UVM test bench without any tweaking) to verify different IPs or soft processors (cores); all the related works are based on the idea of implementing a UVM test bench to verify only one DUT (can be reused but after tweaking the source code itself).</a:t>
+            </a:r>
+          </a:p>
+          <a:p>
+            <a:pPr marL="0" indent="0">
+              <a:buNone/>
+            </a:pPr>
+            <a:r>
+              <a:rPr lang="en-US" sz="2400" dirty="0">
+                <a:latin typeface="Arial" panose="020B0604020202020204" pitchFamily="34" charset="0"/>
+                <a:cs typeface="Arial" panose="020B0604020202020204" pitchFamily="34" charset="0"/>
+              </a:rPr>
+              <a:t>Some of the references we toke as guidelines during this milestone:</a:t>
+            </a:r>
+          </a:p>
+          <a:p>
+            <a:pPr marL="457200" indent="-457200">
+              <a:buAutoNum type="arabicPeriod"/>
+            </a:pPr>
+            <a:r>
+              <a:rPr lang="en-US" sz="2400" dirty="0">
+                <a:latin typeface="Arial" panose="020B0604020202020204" pitchFamily="34" charset="0"/>
+                <a:cs typeface="Arial" panose="020B0604020202020204" pitchFamily="34" charset="0"/>
+              </a:rPr>
+              <a:t>“The UVM Primer: An Introduction to the Universal Verification Methodology” by Ray </a:t>
+            </a:r>
+            <a:r>
+              <a:rPr lang="en-US" sz="2400" dirty="0" err="1">
+                <a:latin typeface="Arial" panose="020B0604020202020204" pitchFamily="34" charset="0"/>
+                <a:cs typeface="Arial" panose="020B0604020202020204" pitchFamily="34" charset="0"/>
+              </a:rPr>
+              <a:t>Salemi</a:t>
+            </a:r>
+            <a:r>
+              <a:rPr lang="en-US" sz="2400" dirty="0">
+                <a:latin typeface="Arial" panose="020B0604020202020204" pitchFamily="34" charset="0"/>
+                <a:cs typeface="Arial" panose="020B0604020202020204" pitchFamily="34" charset="0"/>
+              </a:rPr>
+              <a:t>. </a:t>
+            </a:r>
+          </a:p>
+          <a:p>
+            <a:pPr marL="457200" indent="-457200">
+              <a:buAutoNum type="arabicPeriod"/>
+            </a:pPr>
+            <a:r>
+              <a:rPr lang="en-US" sz="2400" dirty="0">
+                <a:latin typeface="Arial" panose="020B0604020202020204" pitchFamily="34" charset="0"/>
+                <a:cs typeface="Arial" panose="020B0604020202020204" pitchFamily="34" charset="0"/>
+              </a:rPr>
+              <a:t>“Five Stage Pipelined MIPS Processor Veriﬁcation using UVM” from GitHub + the source code.</a:t>
+            </a:r>
+          </a:p>
+          <a:p>
+            <a:pPr marL="457200" indent="-457200">
+              <a:buAutoNum type="arabicPeriod"/>
+            </a:pPr>
+            <a:r>
+              <a:rPr lang="en-US" sz="2400" dirty="0">
+                <a:latin typeface="Arial" panose="020B0604020202020204" pitchFamily="34" charset="0"/>
+                <a:cs typeface="Arial" panose="020B0604020202020204" pitchFamily="34" charset="0"/>
+              </a:rPr>
+              <a:t>“UVM Cookbook” from Mentor Graphics Verification Academy. </a:t>
             </a:r>
           </a:p>
         </p:txBody>
@@ -14643,7 +14850,7 @@
           <p:nvPr>
             <p:extLst>
               <p:ext uri="{D42A27DB-BD31-4B8C-83A1-F6EECF244321}">
-                <p14:modId xmlns:p14="http://schemas.microsoft.com/office/powerpoint/2010/main" val="2935704989"/>
+                <p14:modId xmlns:p14="http://schemas.microsoft.com/office/powerpoint/2010/main" val="1080070173"/>
               </p:ext>
             </p:extLst>
           </p:nvPr>
@@ -14697,7 +14904,11 @@
                       </a:r>
                     </a:p>
                   </a:txBody>
-                  <a:tcPr/>
+                  <a:tcPr>
+                    <a:solidFill>
+                      <a:schemeClr val="bg2"/>
+                    </a:solidFill>
+                  </a:tcPr>
                 </a:tc>
                 <a:tc>
                   <a:txBody>
@@ -14714,7 +14925,11 @@
                       </a:r>
                     </a:p>
                   </a:txBody>
-                  <a:tcPr/>
+                  <a:tcPr>
+                    <a:solidFill>
+                      <a:schemeClr val="bg2"/>
+                    </a:solidFill>
+                  </a:tcPr>
                 </a:tc>
                 <a:tc>
                   <a:txBody>
@@ -14731,7 +14946,11 @@
                       </a:r>
                     </a:p>
                   </a:txBody>
-                  <a:tcPr/>
+                  <a:tcPr>
+                    <a:solidFill>
+                      <a:schemeClr val="bg2"/>
+                    </a:solidFill>
+                  </a:tcPr>
                 </a:tc>
                 <a:extLst>
                   <a:ext uri="{0D108BD9-81ED-4DB2-BD59-A6C34878D82A}">
@@ -15064,19 +15283,8 @@
                           <a:latin typeface="Arial" panose="020B0604020202020204" pitchFamily="34" charset="0"/>
                           <a:cs typeface="Arial" panose="020B0604020202020204" pitchFamily="34" charset="0"/>
                         </a:rPr>
-                        <a:t>Implementing the Sequence, the Sequence items </a:t>
+                        <a:t>Implementing the Sequence, the Sequence items and the Packages</a:t>
                       </a:r>
-                      <a:r>
-                        <a:rPr lang="en-US" sz="1300">
-                          <a:latin typeface="Arial" panose="020B0604020202020204" pitchFamily="34" charset="0"/>
-                          <a:cs typeface="Arial" panose="020B0604020202020204" pitchFamily="34" charset="0"/>
-                        </a:rPr>
-                        <a:t>and the Packages</a:t>
-                      </a:r>
-                      <a:endParaRPr lang="en-US" sz="1300" dirty="0">
-                        <a:latin typeface="Arial" panose="020B0604020202020204" pitchFamily="34" charset="0"/>
-                        <a:cs typeface="Arial" panose="020B0604020202020204" pitchFamily="34" charset="0"/>
-                      </a:endParaRPr>
                     </a:p>
                   </a:txBody>
                   <a:tcPr/>

--- a/Project_progress_Agenda.pptx
+++ b/Project_progress_Agenda.pptx
@@ -253,7 +253,7 @@
           <a:p>
             <a:fld id="{88AD2840-A1B5-46D5-88CF-FF803D9C05FA}" type="datetimeFigureOut">
               <a:rPr lang="en-US" smtClean="0"/>
-              <a:t>05-Apr-20</a:t>
+              <a:t>06-Apr-20</a:t>
             </a:fld>
             <a:endParaRPr lang="en-US"/>
           </a:p>
@@ -421,7 +421,7 @@
           <a:p>
             <a:fld id="{88AD2840-A1B5-46D5-88CF-FF803D9C05FA}" type="datetimeFigureOut">
               <a:rPr lang="en-US" smtClean="0"/>
-              <a:t>05-Apr-20</a:t>
+              <a:t>06-Apr-20</a:t>
             </a:fld>
             <a:endParaRPr lang="en-US"/>
           </a:p>
@@ -599,7 +599,7 @@
           <a:p>
             <a:fld id="{88AD2840-A1B5-46D5-88CF-FF803D9C05FA}" type="datetimeFigureOut">
               <a:rPr lang="en-US" smtClean="0"/>
-              <a:t>05-Apr-20</a:t>
+              <a:t>06-Apr-20</a:t>
             </a:fld>
             <a:endParaRPr lang="en-US"/>
           </a:p>
@@ -767,7 +767,7 @@
           <a:p>
             <a:fld id="{88AD2840-A1B5-46D5-88CF-FF803D9C05FA}" type="datetimeFigureOut">
               <a:rPr lang="en-US" smtClean="0"/>
-              <a:t>05-Apr-20</a:t>
+              <a:t>06-Apr-20</a:t>
             </a:fld>
             <a:endParaRPr lang="en-US"/>
           </a:p>
@@ -1012,7 +1012,7 @@
           <a:p>
             <a:fld id="{88AD2840-A1B5-46D5-88CF-FF803D9C05FA}" type="datetimeFigureOut">
               <a:rPr lang="en-US" smtClean="0"/>
-              <a:t>05-Apr-20</a:t>
+              <a:t>06-Apr-20</a:t>
             </a:fld>
             <a:endParaRPr lang="en-US"/>
           </a:p>
@@ -1241,7 +1241,7 @@
           <a:p>
             <a:fld id="{88AD2840-A1B5-46D5-88CF-FF803D9C05FA}" type="datetimeFigureOut">
               <a:rPr lang="en-US" smtClean="0"/>
-              <a:t>05-Apr-20</a:t>
+              <a:t>06-Apr-20</a:t>
             </a:fld>
             <a:endParaRPr lang="en-US"/>
           </a:p>
@@ -1605,7 +1605,7 @@
           <a:p>
             <a:fld id="{88AD2840-A1B5-46D5-88CF-FF803D9C05FA}" type="datetimeFigureOut">
               <a:rPr lang="en-US" smtClean="0"/>
-              <a:t>05-Apr-20</a:t>
+              <a:t>06-Apr-20</a:t>
             </a:fld>
             <a:endParaRPr lang="en-US"/>
           </a:p>
@@ -1722,7 +1722,7 @@
           <a:p>
             <a:fld id="{88AD2840-A1B5-46D5-88CF-FF803D9C05FA}" type="datetimeFigureOut">
               <a:rPr lang="en-US" smtClean="0"/>
-              <a:t>05-Apr-20</a:t>
+              <a:t>06-Apr-20</a:t>
             </a:fld>
             <a:endParaRPr lang="en-US"/>
           </a:p>
@@ -1817,7 +1817,7 @@
           <a:p>
             <a:fld id="{88AD2840-A1B5-46D5-88CF-FF803D9C05FA}" type="datetimeFigureOut">
               <a:rPr lang="en-US" smtClean="0"/>
-              <a:t>05-Apr-20</a:t>
+              <a:t>06-Apr-20</a:t>
             </a:fld>
             <a:endParaRPr lang="en-US"/>
           </a:p>
@@ -2092,7 +2092,7 @@
           <a:p>
             <a:fld id="{88AD2840-A1B5-46D5-88CF-FF803D9C05FA}" type="datetimeFigureOut">
               <a:rPr lang="en-US" smtClean="0"/>
-              <a:t>05-Apr-20</a:t>
+              <a:t>06-Apr-20</a:t>
             </a:fld>
             <a:endParaRPr lang="en-US"/>
           </a:p>
@@ -2344,7 +2344,7 @@
           <a:p>
             <a:fld id="{88AD2840-A1B5-46D5-88CF-FF803D9C05FA}" type="datetimeFigureOut">
               <a:rPr lang="en-US" smtClean="0"/>
-              <a:t>05-Apr-20</a:t>
+              <a:t>06-Apr-20</a:t>
             </a:fld>
             <a:endParaRPr lang="en-US"/>
           </a:p>
@@ -2555,7 +2555,7 @@
           <a:p>
             <a:fld id="{88AD2840-A1B5-46D5-88CF-FF803D9C05FA}" type="datetimeFigureOut">
               <a:rPr lang="en-US" smtClean="0"/>
-              <a:t>05-Apr-20</a:t>
+              <a:t>06-Apr-20</a:t>
             </a:fld>
             <a:endParaRPr lang="en-US"/>
           </a:p>
@@ -13042,7 +13042,7 @@
         </p:spPr>
         <p:txBody>
           <a:bodyPr>
-            <a:normAutofit/>
+            <a:normAutofit fontScale="92500" lnSpcReduction="10000"/>
           </a:bodyPr>
           <a:lstStyle>
             <a:lvl1pPr marL="228600" indent="-228600" algn="l" defTabSz="914400" rtl="0" eaLnBrk="1" latinLnBrk="0" hangingPunct="1">
@@ -13209,16 +13209,93 @@
             </a:lvl9pPr>
           </a:lstStyle>
           <a:p>
-            <a:pPr marL="0" indent="0">
-              <a:buNone/>
-            </a:pPr>
             <a:r>
               <a:rPr lang="en-US" sz="2400" dirty="0">
                 <a:latin typeface="Arial" panose="020B0604020202020204" pitchFamily="34" charset="0"/>
                 <a:cs typeface="Arial" panose="020B0604020202020204" pitchFamily="34" charset="0"/>
               </a:rPr>
-              <a:t>//</a:t>
-            </a:r>
+              <a:t>Leading up to the past decade, Digital IC development and verification suffered severely, due to lack of efficiency and testing constraints on manually-established test benches. Older environments included poorly-written VHDL/Verilog models, and almost 60% of the total project time involved an extreme hassle to adequately verily or even achieve basic functional testing.</a:t>
+            </a:r>
+          </a:p>
+          <a:p>
+            <a:r>
+              <a:rPr lang="en-US" sz="2400" dirty="0">
+                <a:latin typeface="Arial" panose="020B0604020202020204" pitchFamily="34" charset="0"/>
+                <a:cs typeface="Arial" panose="020B0604020202020204" pitchFamily="34" charset="0"/>
+              </a:rPr>
+              <a:t>Although System Verilog quickly took the mantle as the industry’s first </a:t>
+            </a:r>
+            <a:r>
+              <a:rPr lang="en-US" sz="2400" i="1" dirty="0">
+                <a:latin typeface="Arial" panose="020B0604020202020204" pitchFamily="34" charset="0"/>
+                <a:cs typeface="Arial" panose="020B0604020202020204" pitchFamily="34" charset="0"/>
+              </a:rPr>
+              <a:t>Hardware Description and Verification Language (HDVL)</a:t>
+            </a:r>
+            <a:r>
+              <a:rPr lang="en-US" sz="2400" dirty="0">
+                <a:latin typeface="Arial" panose="020B0604020202020204" pitchFamily="34" charset="0"/>
+                <a:cs typeface="Arial" panose="020B0604020202020204" pitchFamily="34" charset="0"/>
+              </a:rPr>
+              <a:t>, it wasn’t long until proper verification plans and </a:t>
+            </a:r>
+            <a:r>
+              <a:rPr lang="en-US" sz="2400" i="1" dirty="0">
+                <a:latin typeface="Arial" panose="020B0604020202020204" pitchFamily="34" charset="0"/>
+                <a:cs typeface="Arial" panose="020B0604020202020204" pitchFamily="34" charset="0"/>
+              </a:rPr>
+              <a:t>Constrained-Random Verification (CRV) </a:t>
+            </a:r>
+            <a:r>
+              <a:rPr lang="en-US" sz="2400" dirty="0">
+                <a:latin typeface="Arial" panose="020B0604020202020204" pitchFamily="34" charset="0"/>
+                <a:cs typeface="Arial" panose="020B0604020202020204" pitchFamily="34" charset="0"/>
+              </a:rPr>
+              <a:t>were introduced as main pillars of the </a:t>
+            </a:r>
+            <a:r>
+              <a:rPr lang="en-US" sz="2400" b="1" dirty="0">
+                <a:latin typeface="Arial" panose="020B0604020202020204" pitchFamily="34" charset="0"/>
+                <a:cs typeface="Arial" panose="020B0604020202020204" pitchFamily="34" charset="0"/>
+              </a:rPr>
+              <a:t>Universal Verification Methodology (UVM)</a:t>
+            </a:r>
+            <a:r>
+              <a:rPr lang="en-GB" sz="2400" dirty="0">
+                <a:latin typeface="Arial" panose="020B0604020202020204" pitchFamily="34" charset="0"/>
+                <a:cs typeface="Arial" panose="020B0604020202020204" pitchFamily="34" charset="0"/>
+              </a:rPr>
+              <a:t>; implementing a real-world test-case generator in a pseudo-random controlled and constrained randomness.</a:t>
+            </a:r>
+          </a:p>
+          <a:p>
+            <a:r>
+              <a:rPr lang="en-US" sz="2400" b="1" dirty="0">
+                <a:latin typeface="Arial" panose="020B0604020202020204" pitchFamily="34" charset="0"/>
+                <a:cs typeface="Arial" panose="020B0604020202020204" pitchFamily="34" charset="0"/>
+              </a:rPr>
+              <a:t>UVM </a:t>
+            </a:r>
+            <a:r>
+              <a:rPr lang="en-US" sz="2400" dirty="0">
+                <a:latin typeface="Arial" panose="020B0604020202020204" pitchFamily="34" charset="0"/>
+                <a:cs typeface="Arial" panose="020B0604020202020204" pitchFamily="34" charset="0"/>
+              </a:rPr>
+              <a:t>blocks can tackle complex multiple-pipeline CPU designs/ISA’s, including multiple-precision operations; while being absolutely re-usable, encapsulated, and accommodates wide range of design sizes and types, in addition to providing functional coverage methodologies.</a:t>
+            </a:r>
+            <a:endParaRPr lang="en-US" sz="2400" b="1" dirty="0">
+              <a:latin typeface="Arial" panose="020B0604020202020204" pitchFamily="34" charset="0"/>
+              <a:cs typeface="Arial" panose="020B0604020202020204" pitchFamily="34" charset="0"/>
+            </a:endParaRPr>
+          </a:p>
+          <a:p>
+            <a:pPr marL="0" indent="0">
+              <a:buNone/>
+            </a:pPr>
+            <a:endParaRPr lang="en-US" sz="2400" dirty="0">
+              <a:latin typeface="Arial" panose="020B0604020202020204" pitchFamily="34" charset="0"/>
+              <a:cs typeface="Arial" panose="020B0604020202020204" pitchFamily="34" charset="0"/>
+            </a:endParaRPr>
           </a:p>
         </p:txBody>
       </p:sp>

--- a/Project_progress_Agenda.pptx
+++ b/Project_progress_Agenda.pptx
@@ -17,7 +17,8 @@
     <p:sldId id="268" r:id="rId11"/>
     <p:sldId id="265" r:id="rId12"/>
     <p:sldId id="266" r:id="rId13"/>
-    <p:sldId id="267" r:id="rId14"/>
+    <p:sldId id="269" r:id="rId14"/>
+    <p:sldId id="267" r:id="rId15"/>
   </p:sldIdLst>
   <p:sldSz cx="12192000" cy="6858000"/>
   <p:notesSz cx="6858000" cy="9144000"/>
@@ -12271,8 +12272,135 @@
                 <a:latin typeface="Arial" panose="020B0604020202020204" pitchFamily="34" charset="0"/>
                 <a:cs typeface="Arial" panose="020B0604020202020204" pitchFamily="34" charset="0"/>
               </a:rPr>
-              <a:t>//</a:t>
-            </a:r>
+              <a:t>The user can use our generic UVM test bench by doing the following steps: </a:t>
+            </a:r>
+          </a:p>
+          <a:p>
+            <a:pPr marL="457200" indent="-457200">
+              <a:buFont typeface="+mj-lt"/>
+              <a:buAutoNum type="arabicPeriod"/>
+            </a:pPr>
+            <a:r>
+              <a:rPr lang="en-US" sz="2400" dirty="0">
+                <a:latin typeface="Arial" panose="020B0604020202020204" pitchFamily="34" charset="0"/>
+                <a:cs typeface="Arial" panose="020B0604020202020204" pitchFamily="34" charset="0"/>
+              </a:rPr>
+              <a:t>download the source code from GitHub with this link: </a:t>
+            </a:r>
+            <a:r>
+              <a:rPr lang="en-US" sz="1800" dirty="0">
+                <a:solidFill>
+                  <a:srgbClr val="0000FF"/>
+                </a:solidFill>
+                <a:latin typeface="Arial" panose="020B0604020202020204" pitchFamily="34" charset="0"/>
+                <a:cs typeface="Arial" panose="020B0604020202020204" pitchFamily="34" charset="0"/>
+                <a:hlinkClick r:id="rId2"/>
+              </a:rPr>
+              <a:t>https://github.com/cufeolm/codeGP.git</a:t>
+            </a:r>
+            <a:r>
+              <a:rPr lang="en-US" sz="1800" dirty="0">
+                <a:solidFill>
+                  <a:srgbClr val="0000FF"/>
+                </a:solidFill>
+                <a:latin typeface="Arial" panose="020B0604020202020204" pitchFamily="34" charset="0"/>
+                <a:cs typeface="Arial" panose="020B0604020202020204" pitchFamily="34" charset="0"/>
+              </a:rPr>
+              <a:t> </a:t>
+            </a:r>
+          </a:p>
+          <a:p>
+            <a:pPr marL="457200" indent="-457200">
+              <a:buFont typeface="+mj-lt"/>
+              <a:buAutoNum type="arabicPeriod"/>
+            </a:pPr>
+            <a:r>
+              <a:rPr lang="en-US" sz="2400" dirty="0">
+                <a:latin typeface="Arial" panose="020B0604020202020204" pitchFamily="34" charset="0"/>
+                <a:cs typeface="Arial" panose="020B0604020202020204" pitchFamily="34" charset="0"/>
+              </a:rPr>
+              <a:t>Run the .bat file of the desired core to start the test bench: </a:t>
+            </a:r>
+            <a:r>
+              <a:rPr lang="en-US" sz="2400" b="1" i="1" dirty="0">
+                <a:latin typeface="Arial" panose="020B0604020202020204" pitchFamily="34" charset="0"/>
+                <a:cs typeface="Arial" panose="020B0604020202020204" pitchFamily="34" charset="0"/>
+              </a:rPr>
+              <a:t>a.bat</a:t>
+            </a:r>
+            <a:r>
+              <a:rPr lang="en-US" sz="2400" dirty="0">
+                <a:latin typeface="Arial" panose="020B0604020202020204" pitchFamily="34" charset="0"/>
+                <a:cs typeface="Arial" panose="020B0604020202020204" pitchFamily="34" charset="0"/>
+              </a:rPr>
+              <a:t> for Amber core, </a:t>
+            </a:r>
+            <a:r>
+              <a:rPr lang="en-US" sz="2400" b="1" i="1" dirty="0">
+                <a:latin typeface="Arial" panose="020B0604020202020204" pitchFamily="34" charset="0"/>
+                <a:cs typeface="Arial" panose="020B0604020202020204" pitchFamily="34" charset="0"/>
+              </a:rPr>
+              <a:t>l.bat </a:t>
+            </a:r>
+            <a:r>
+              <a:rPr lang="en-US" sz="2400" dirty="0">
+                <a:latin typeface="Arial" panose="020B0604020202020204" pitchFamily="34" charset="0"/>
+                <a:cs typeface="Arial" panose="020B0604020202020204" pitchFamily="34" charset="0"/>
+              </a:rPr>
+              <a:t>for Leon core and </a:t>
+            </a:r>
+            <a:r>
+              <a:rPr lang="en-US" sz="2400" b="1" i="1" dirty="0">
+                <a:latin typeface="Arial" panose="020B0604020202020204" pitchFamily="34" charset="0"/>
+                <a:cs typeface="Arial" panose="020B0604020202020204" pitchFamily="34" charset="0"/>
+              </a:rPr>
+              <a:t>r.bat </a:t>
+            </a:r>
+            <a:r>
+              <a:rPr lang="en-US" sz="2400" dirty="0">
+                <a:latin typeface="Arial" panose="020B0604020202020204" pitchFamily="34" charset="0"/>
+                <a:cs typeface="Arial" panose="020B0604020202020204" pitchFamily="34" charset="0"/>
+              </a:rPr>
+              <a:t>for Ri5cy core.</a:t>
+            </a:r>
+          </a:p>
+          <a:p>
+            <a:pPr marL="457200" indent="-457200">
+              <a:buFont typeface="+mj-lt"/>
+              <a:buAutoNum type="arabicPeriod"/>
+            </a:pPr>
+            <a:r>
+              <a:rPr lang="en-US" sz="2400" dirty="0">
+                <a:latin typeface="Arial" panose="020B0604020202020204" pitchFamily="34" charset="0"/>
+                <a:cs typeface="Arial" panose="020B0604020202020204" pitchFamily="34" charset="0"/>
+              </a:rPr>
+              <a:t>Check the transcript file for results.</a:t>
+            </a:r>
+          </a:p>
+          <a:p>
+            <a:pPr marL="0" indent="0">
+              <a:buNone/>
+            </a:pPr>
+            <a:r>
+              <a:rPr lang="en-US" sz="2400" dirty="0">
+                <a:latin typeface="Arial" panose="020B0604020202020204" pitchFamily="34" charset="0"/>
+                <a:cs typeface="Arial" panose="020B0604020202020204" pitchFamily="34" charset="0"/>
+              </a:rPr>
+              <a:t>The following figures in the next slide are screenshots from the transcript showing the result of the generic UVM.</a:t>
+            </a:r>
+          </a:p>
+          <a:p>
+            <a:pPr marL="457200" indent="-457200">
+              <a:buFont typeface="+mj-lt"/>
+              <a:buAutoNum type="arabicPeriod"/>
+            </a:pPr>
+            <a:endParaRPr lang="en-US" sz="1800" dirty="0">
+              <a:solidFill>
+                <a:srgbClr val="0000FF"/>
+              </a:solidFill>
+              <a:latin typeface="Arial" panose="020B0604020202020204" pitchFamily="34" charset="0"/>
+              <a:cs typeface="Arial" panose="020B0604020202020204" pitchFamily="34" charset="0"/>
+            </a:endParaRPr>
           </a:p>
         </p:txBody>
       </p:sp>
@@ -12290,6 +12418,234 @@
 </file>
 
 <file path=ppt/slides/slide13.xml><?xml version="1.0" encoding="utf-8"?>
+<p:sld xmlns:a="http://schemas.openxmlformats.org/drawingml/2006/main" xmlns:r="http://schemas.openxmlformats.org/officeDocument/2006/relationships" xmlns:p="http://schemas.openxmlformats.org/presentationml/2006/main">
+  <p:cSld>
+    <p:spTree>
+      <p:nvGrpSpPr>
+        <p:cNvPr id="1" name=""/>
+        <p:cNvGrpSpPr/>
+        <p:nvPr/>
+      </p:nvGrpSpPr>
+      <p:grpSpPr>
+        <a:xfrm>
+          <a:off x="0" y="0"/>
+          <a:ext cx="0" cy="0"/>
+          <a:chOff x="0" y="0"/>
+          <a:chExt cx="0" cy="0"/>
+        </a:xfrm>
+      </p:grpSpPr>
+      <p:pic>
+        <p:nvPicPr>
+          <p:cNvPr id="2" name="Picture 1">
+            <a:extLst>
+              <a:ext uri="{FF2B5EF4-FFF2-40B4-BE49-F238E27FC236}">
+                <a16:creationId xmlns:a16="http://schemas.microsoft.com/office/drawing/2014/main" id="{AFD33F3E-BDFE-40E8-9740-FB8F7FB714FA}"/>
+              </a:ext>
+            </a:extLst>
+          </p:cNvPr>
+          <p:cNvPicPr>
+            <a:picLocks noChangeAspect="1"/>
+          </p:cNvPicPr>
+          <p:nvPr/>
+        </p:nvPicPr>
+        <p:blipFill>
+          <a:blip r:embed="rId2"/>
+          <a:stretch>
+            <a:fillRect/>
+          </a:stretch>
+        </p:blipFill>
+        <p:spPr>
+          <a:xfrm>
+            <a:off x="3261115" y="159443"/>
+            <a:ext cx="5669769" cy="2811972"/>
+          </a:xfrm>
+          <a:prstGeom prst="rect">
+            <a:avLst/>
+          </a:prstGeom>
+        </p:spPr>
+      </p:pic>
+      <p:pic>
+        <p:nvPicPr>
+          <p:cNvPr id="3" name="Picture 2">
+            <a:extLst>
+              <a:ext uri="{FF2B5EF4-FFF2-40B4-BE49-F238E27FC236}">
+                <a16:creationId xmlns:a16="http://schemas.microsoft.com/office/drawing/2014/main" id="{D309C6E1-9FDA-43C5-B4A1-D44272DA7C91}"/>
+              </a:ext>
+            </a:extLst>
+          </p:cNvPr>
+          <p:cNvPicPr>
+            <a:picLocks noChangeAspect="1"/>
+          </p:cNvPicPr>
+          <p:nvPr/>
+        </p:nvPicPr>
+        <p:blipFill>
+          <a:blip r:embed="rId3"/>
+          <a:stretch>
+            <a:fillRect/>
+          </a:stretch>
+        </p:blipFill>
+        <p:spPr>
+          <a:xfrm>
+            <a:off x="238803" y="3519939"/>
+            <a:ext cx="5857197" cy="2827757"/>
+          </a:xfrm>
+          <a:prstGeom prst="rect">
+            <a:avLst/>
+          </a:prstGeom>
+        </p:spPr>
+      </p:pic>
+      <p:sp>
+        <p:nvSpPr>
+          <p:cNvPr id="4" name="TextBox 3">
+            <a:extLst>
+              <a:ext uri="{FF2B5EF4-FFF2-40B4-BE49-F238E27FC236}">
+                <a16:creationId xmlns:a16="http://schemas.microsoft.com/office/drawing/2014/main" id="{51260E22-1A7E-4464-AF20-48BD97C710BB}"/>
+              </a:ext>
+            </a:extLst>
+          </p:cNvPr>
+          <p:cNvSpPr txBox="1"/>
+          <p:nvPr/>
+        </p:nvSpPr>
+        <p:spPr>
+          <a:xfrm>
+            <a:off x="4969496" y="2971415"/>
+            <a:ext cx="2253006" cy="369332"/>
+          </a:xfrm>
+          <a:prstGeom prst="rect">
+            <a:avLst/>
+          </a:prstGeom>
+          <a:noFill/>
+        </p:spPr>
+        <p:txBody>
+          <a:bodyPr wrap="square" rtlCol="0">
+            <a:spAutoFit/>
+          </a:bodyPr>
+          <a:lstStyle/>
+          <a:p>
+            <a:pPr algn="ctr"/>
+            <a:r>
+              <a:rPr lang="en-US" dirty="0"/>
+              <a:t>Ri5cy core</a:t>
+            </a:r>
+          </a:p>
+        </p:txBody>
+      </p:sp>
+      <p:sp>
+        <p:nvSpPr>
+          <p:cNvPr id="5" name="TextBox 4">
+            <a:extLst>
+              <a:ext uri="{FF2B5EF4-FFF2-40B4-BE49-F238E27FC236}">
+                <a16:creationId xmlns:a16="http://schemas.microsoft.com/office/drawing/2014/main" id="{26A26C7A-30DD-4588-9A37-EA4E2DE08F54}"/>
+              </a:ext>
+            </a:extLst>
+          </p:cNvPr>
+          <p:cNvSpPr txBox="1"/>
+          <p:nvPr/>
+        </p:nvSpPr>
+        <p:spPr>
+          <a:xfrm>
+            <a:off x="2040898" y="6347696"/>
+            <a:ext cx="2253006" cy="369332"/>
+          </a:xfrm>
+          <a:prstGeom prst="rect">
+            <a:avLst/>
+          </a:prstGeom>
+          <a:noFill/>
+        </p:spPr>
+        <p:txBody>
+          <a:bodyPr wrap="square" rtlCol="0">
+            <a:spAutoFit/>
+          </a:bodyPr>
+          <a:lstStyle/>
+          <a:p>
+            <a:pPr algn="ctr"/>
+            <a:r>
+              <a:rPr lang="en-US" dirty="0"/>
+              <a:t>Amber core</a:t>
+            </a:r>
+          </a:p>
+        </p:txBody>
+      </p:sp>
+      <p:pic>
+        <p:nvPicPr>
+          <p:cNvPr id="6" name="Picture 5">
+            <a:extLst>
+              <a:ext uri="{FF2B5EF4-FFF2-40B4-BE49-F238E27FC236}">
+                <a16:creationId xmlns:a16="http://schemas.microsoft.com/office/drawing/2014/main" id="{E358AFA7-E95E-47BC-BD16-3D65DD0EDB06}"/>
+              </a:ext>
+            </a:extLst>
+          </p:cNvPr>
+          <p:cNvPicPr>
+            <a:picLocks noChangeAspect="1"/>
+          </p:cNvPicPr>
+          <p:nvPr/>
+        </p:nvPicPr>
+        <p:blipFill>
+          <a:blip r:embed="rId4"/>
+          <a:stretch>
+            <a:fillRect/>
+          </a:stretch>
+        </p:blipFill>
+        <p:spPr>
+          <a:xfrm>
+            <a:off x="6283428" y="3517254"/>
+            <a:ext cx="5669769" cy="2811972"/>
+          </a:xfrm>
+          <a:prstGeom prst="rect">
+            <a:avLst/>
+          </a:prstGeom>
+        </p:spPr>
+      </p:pic>
+      <p:sp>
+        <p:nvSpPr>
+          <p:cNvPr id="7" name="TextBox 6">
+            <a:extLst>
+              <a:ext uri="{FF2B5EF4-FFF2-40B4-BE49-F238E27FC236}">
+                <a16:creationId xmlns:a16="http://schemas.microsoft.com/office/drawing/2014/main" id="{CD4FD4EB-1D18-41C7-BFBD-39B2F9085F0C}"/>
+              </a:ext>
+            </a:extLst>
+          </p:cNvPr>
+          <p:cNvSpPr txBox="1"/>
+          <p:nvPr/>
+        </p:nvSpPr>
+        <p:spPr>
+          <a:xfrm>
+            <a:off x="7991809" y="6352724"/>
+            <a:ext cx="2253006" cy="369332"/>
+          </a:xfrm>
+          <a:prstGeom prst="rect">
+            <a:avLst/>
+          </a:prstGeom>
+          <a:noFill/>
+        </p:spPr>
+        <p:txBody>
+          <a:bodyPr wrap="square" rtlCol="0">
+            <a:spAutoFit/>
+          </a:bodyPr>
+          <a:lstStyle/>
+          <a:p>
+            <a:pPr algn="ctr"/>
+            <a:r>
+              <a:rPr lang="en-US" dirty="0"/>
+              <a:t>Leon core</a:t>
+            </a:r>
+          </a:p>
+        </p:txBody>
+      </p:sp>
+    </p:spTree>
+    <p:extLst>
+      <p:ext uri="{BB962C8B-B14F-4D97-AF65-F5344CB8AC3E}">
+        <p14:creationId xmlns:p14="http://schemas.microsoft.com/office/powerpoint/2010/main" val="441899132"/>
+      </p:ext>
+    </p:extLst>
+  </p:cSld>
+  <p:clrMapOvr>
+    <a:masterClrMapping/>
+  </p:clrMapOvr>
+</p:sld>
+</file>
+
+<file path=ppt/slides/slide14.xml><?xml version="1.0" encoding="utf-8"?>
 <p:sld xmlns:a="http://schemas.openxmlformats.org/drawingml/2006/main" xmlns:r="http://schemas.openxmlformats.org/officeDocument/2006/relationships" xmlns:p="http://schemas.openxmlformats.org/presentationml/2006/main">
   <p:cSld>
     <p:spTree>
@@ -13042,7 +13398,7 @@
         </p:spPr>
         <p:txBody>
           <a:bodyPr>
-            <a:normAutofit fontScale="92500" lnSpcReduction="10000"/>
+            <a:normAutofit lnSpcReduction="10000"/>
           </a:bodyPr>
           <a:lstStyle>
             <a:lvl1pPr marL="228600" indent="-228600" algn="l" defTabSz="914400" rtl="0" eaLnBrk="1" latinLnBrk="0" hangingPunct="1">
@@ -13210,7 +13566,7 @@
           </a:lstStyle>
           <a:p>
             <a:r>
-              <a:rPr lang="en-US" sz="2400" dirty="0">
+              <a:rPr lang="en-US" sz="2300" dirty="0">
                 <a:latin typeface="Arial" panose="020B0604020202020204" pitchFamily="34" charset="0"/>
                 <a:cs typeface="Arial" panose="020B0604020202020204" pitchFamily="34" charset="0"/>
               </a:rPr>
@@ -13219,49 +13575,49 @@
           </a:p>
           <a:p>
             <a:r>
-              <a:rPr lang="en-US" sz="2400" dirty="0">
+              <a:rPr lang="en-US" sz="2300" dirty="0">
                 <a:latin typeface="Arial" panose="020B0604020202020204" pitchFamily="34" charset="0"/>
                 <a:cs typeface="Arial" panose="020B0604020202020204" pitchFamily="34" charset="0"/>
               </a:rPr>
               <a:t>Although System Verilog quickly took the mantle as the industry’s first </a:t>
             </a:r>
             <a:r>
-              <a:rPr lang="en-US" sz="2400" i="1" dirty="0">
+              <a:rPr lang="en-US" sz="2300" i="1" dirty="0">
                 <a:latin typeface="Arial" panose="020B0604020202020204" pitchFamily="34" charset="0"/>
                 <a:cs typeface="Arial" panose="020B0604020202020204" pitchFamily="34" charset="0"/>
               </a:rPr>
               <a:t>Hardware Description and Verification Language (HDVL)</a:t>
             </a:r>
             <a:r>
-              <a:rPr lang="en-US" sz="2400" dirty="0">
+              <a:rPr lang="en-US" sz="2300" dirty="0">
                 <a:latin typeface="Arial" panose="020B0604020202020204" pitchFamily="34" charset="0"/>
                 <a:cs typeface="Arial" panose="020B0604020202020204" pitchFamily="34" charset="0"/>
               </a:rPr>
               <a:t>, it wasn’t long until proper verification plans and </a:t>
             </a:r>
             <a:r>
-              <a:rPr lang="en-US" sz="2400" i="1" dirty="0">
+              <a:rPr lang="en-US" sz="2300" i="1" dirty="0">
                 <a:latin typeface="Arial" panose="020B0604020202020204" pitchFamily="34" charset="0"/>
                 <a:cs typeface="Arial" panose="020B0604020202020204" pitchFamily="34" charset="0"/>
               </a:rPr>
               <a:t>Constrained-Random Verification (CRV) </a:t>
             </a:r>
             <a:r>
-              <a:rPr lang="en-US" sz="2400" dirty="0">
+              <a:rPr lang="en-US" sz="2300" dirty="0">
                 <a:latin typeface="Arial" panose="020B0604020202020204" pitchFamily="34" charset="0"/>
                 <a:cs typeface="Arial" panose="020B0604020202020204" pitchFamily="34" charset="0"/>
               </a:rPr>
               <a:t>were introduced as main pillars of the </a:t>
             </a:r>
             <a:r>
-              <a:rPr lang="en-US" sz="2400" b="1" dirty="0">
+              <a:rPr lang="en-US" sz="2300" b="1" dirty="0">
                 <a:latin typeface="Arial" panose="020B0604020202020204" pitchFamily="34" charset="0"/>
                 <a:cs typeface="Arial" panose="020B0604020202020204" pitchFamily="34" charset="0"/>
               </a:rPr>
               <a:t>Universal Verification Methodology (UVM)</a:t>
             </a:r>
             <a:r>
-              <a:rPr lang="en-GB" sz="2400" dirty="0">
+              <a:rPr lang="en-GB" sz="2300" dirty="0">
                 <a:latin typeface="Arial" panose="020B0604020202020204" pitchFamily="34" charset="0"/>
                 <a:cs typeface="Arial" panose="020B0604020202020204" pitchFamily="34" charset="0"/>
               </a:rPr>
@@ -13270,20 +13626,20 @@
           </a:p>
           <a:p>
             <a:r>
-              <a:rPr lang="en-US" sz="2400" b="1" dirty="0">
+              <a:rPr lang="en-US" sz="2300" b="1" dirty="0">
                 <a:latin typeface="Arial" panose="020B0604020202020204" pitchFamily="34" charset="0"/>
                 <a:cs typeface="Arial" panose="020B0604020202020204" pitchFamily="34" charset="0"/>
               </a:rPr>
               <a:t>UVM </a:t>
             </a:r>
             <a:r>
-              <a:rPr lang="en-US" sz="2400" dirty="0">
+              <a:rPr lang="en-US" sz="2300" dirty="0">
                 <a:latin typeface="Arial" panose="020B0604020202020204" pitchFamily="34" charset="0"/>
                 <a:cs typeface="Arial" panose="020B0604020202020204" pitchFamily="34" charset="0"/>
               </a:rPr>
               <a:t>blocks can tackle complex multiple-pipeline CPU designs/ISA’s, including multiple-precision operations; while being absolutely re-usable, encapsulated, and accommodates wide range of design sizes and types, in addition to providing functional coverage methodologies.</a:t>
             </a:r>
-            <a:endParaRPr lang="en-US" sz="2400" b="1" dirty="0">
+            <a:endParaRPr lang="en-US" sz="2300" b="1" dirty="0">
               <a:latin typeface="Arial" panose="020B0604020202020204" pitchFamily="34" charset="0"/>
               <a:cs typeface="Arial" panose="020B0604020202020204" pitchFamily="34" charset="0"/>
             </a:endParaRPr>

--- a/Project_progress_Agenda.pptx
+++ b/Project_progress_Agenda.pptx
@@ -12946,7 +12946,21 @@
                 <a:latin typeface="Arial" panose="020B0604020202020204" pitchFamily="34" charset="0"/>
                 <a:cs typeface="Arial" panose="020B0604020202020204" pitchFamily="34" charset="0"/>
               </a:rPr>
-              <a:t> milestone of the implementation of the generic UVM, we have successfully proven the possibility/idea of creating only one UVM to verify more than core (soft processor).</a:t>
+              <a:t> milestone of the implementation of the generic UVM, we have successfully proven the possibility/idea of creating only one UVM to verify more </a:t>
+            </a:r>
+            <a:r>
+              <a:rPr lang="en-US" sz="2400">
+                <a:latin typeface="Arial" panose="020B0604020202020204" pitchFamily="34" charset="0"/>
+                <a:cs typeface="Arial" panose="020B0604020202020204" pitchFamily="34" charset="0"/>
+              </a:rPr>
+              <a:t>than one core </a:t>
+            </a:r>
+            <a:r>
+              <a:rPr lang="en-US" sz="2400" dirty="0">
+                <a:latin typeface="Arial" panose="020B0604020202020204" pitchFamily="34" charset="0"/>
+                <a:cs typeface="Arial" panose="020B0604020202020204" pitchFamily="34" charset="0"/>
+              </a:rPr>
+              <a:t>(soft processor).</a:t>
             </a:r>
           </a:p>
           <a:p>

--- a/Project_progress_Agenda.pptx
+++ b/Project_progress_Agenda.pptx
@@ -12456,8 +12456,8 @@
         </p:blipFill>
         <p:spPr>
           <a:xfrm>
-            <a:off x="3261115" y="159443"/>
-            <a:ext cx="5669769" cy="2811972"/>
+            <a:off x="3167400" y="159443"/>
+            <a:ext cx="5857197" cy="2811972"/>
           </a:xfrm>
           <a:prstGeom prst="rect">
             <a:avLst/>

--- a/Project_progress_Agenda.pptx
+++ b/Project_progress_Agenda.pptx
@@ -17,8 +17,7 @@
     <p:sldId id="268" r:id="rId11"/>
     <p:sldId id="265" r:id="rId12"/>
     <p:sldId id="266" r:id="rId13"/>
-    <p:sldId id="269" r:id="rId14"/>
-    <p:sldId id="267" r:id="rId15"/>
+    <p:sldId id="267" r:id="rId14"/>
   </p:sldIdLst>
   <p:sldSz cx="12192000" cy="6858000"/>
   <p:notesSz cx="6858000" cy="9144000"/>
@@ -254,7 +253,7 @@
           <a:p>
             <a:fld id="{88AD2840-A1B5-46D5-88CF-FF803D9C05FA}" type="datetimeFigureOut">
               <a:rPr lang="en-US" smtClean="0"/>
-              <a:t>06-Apr-20</a:t>
+              <a:t>04-Apr-20</a:t>
             </a:fld>
             <a:endParaRPr lang="en-US"/>
           </a:p>
@@ -422,7 +421,7 @@
           <a:p>
             <a:fld id="{88AD2840-A1B5-46D5-88CF-FF803D9C05FA}" type="datetimeFigureOut">
               <a:rPr lang="en-US" smtClean="0"/>
-              <a:t>06-Apr-20</a:t>
+              <a:t>04-Apr-20</a:t>
             </a:fld>
             <a:endParaRPr lang="en-US"/>
           </a:p>
@@ -600,7 +599,7 @@
           <a:p>
             <a:fld id="{88AD2840-A1B5-46D5-88CF-FF803D9C05FA}" type="datetimeFigureOut">
               <a:rPr lang="en-US" smtClean="0"/>
-              <a:t>06-Apr-20</a:t>
+              <a:t>04-Apr-20</a:t>
             </a:fld>
             <a:endParaRPr lang="en-US"/>
           </a:p>
@@ -768,7 +767,7 @@
           <a:p>
             <a:fld id="{88AD2840-A1B5-46D5-88CF-FF803D9C05FA}" type="datetimeFigureOut">
               <a:rPr lang="en-US" smtClean="0"/>
-              <a:t>06-Apr-20</a:t>
+              <a:t>04-Apr-20</a:t>
             </a:fld>
             <a:endParaRPr lang="en-US"/>
           </a:p>
@@ -1013,7 +1012,7 @@
           <a:p>
             <a:fld id="{88AD2840-A1B5-46D5-88CF-FF803D9C05FA}" type="datetimeFigureOut">
               <a:rPr lang="en-US" smtClean="0"/>
-              <a:t>06-Apr-20</a:t>
+              <a:t>04-Apr-20</a:t>
             </a:fld>
             <a:endParaRPr lang="en-US"/>
           </a:p>
@@ -1242,7 +1241,7 @@
           <a:p>
             <a:fld id="{88AD2840-A1B5-46D5-88CF-FF803D9C05FA}" type="datetimeFigureOut">
               <a:rPr lang="en-US" smtClean="0"/>
-              <a:t>06-Apr-20</a:t>
+              <a:t>04-Apr-20</a:t>
             </a:fld>
             <a:endParaRPr lang="en-US"/>
           </a:p>
@@ -1606,7 +1605,7 @@
           <a:p>
             <a:fld id="{88AD2840-A1B5-46D5-88CF-FF803D9C05FA}" type="datetimeFigureOut">
               <a:rPr lang="en-US" smtClean="0"/>
-              <a:t>06-Apr-20</a:t>
+              <a:t>04-Apr-20</a:t>
             </a:fld>
             <a:endParaRPr lang="en-US"/>
           </a:p>
@@ -1723,7 +1722,7 @@
           <a:p>
             <a:fld id="{88AD2840-A1B5-46D5-88CF-FF803D9C05FA}" type="datetimeFigureOut">
               <a:rPr lang="en-US" smtClean="0"/>
-              <a:t>06-Apr-20</a:t>
+              <a:t>04-Apr-20</a:t>
             </a:fld>
             <a:endParaRPr lang="en-US"/>
           </a:p>
@@ -1818,7 +1817,7 @@
           <a:p>
             <a:fld id="{88AD2840-A1B5-46D5-88CF-FF803D9C05FA}" type="datetimeFigureOut">
               <a:rPr lang="en-US" smtClean="0"/>
-              <a:t>06-Apr-20</a:t>
+              <a:t>04-Apr-20</a:t>
             </a:fld>
             <a:endParaRPr lang="en-US"/>
           </a:p>
@@ -2093,7 +2092,7 @@
           <a:p>
             <a:fld id="{88AD2840-A1B5-46D5-88CF-FF803D9C05FA}" type="datetimeFigureOut">
               <a:rPr lang="en-US" smtClean="0"/>
-              <a:t>06-Apr-20</a:t>
+              <a:t>04-Apr-20</a:t>
             </a:fld>
             <a:endParaRPr lang="en-US"/>
           </a:p>
@@ -2345,7 +2344,7 @@
           <a:p>
             <a:fld id="{88AD2840-A1B5-46D5-88CF-FF803D9C05FA}" type="datetimeFigureOut">
               <a:rPr lang="en-US" smtClean="0"/>
-              <a:t>06-Apr-20</a:t>
+              <a:t>04-Apr-20</a:t>
             </a:fld>
             <a:endParaRPr lang="en-US"/>
           </a:p>
@@ -2556,7 +2555,7 @@
           <a:p>
             <a:fld id="{88AD2840-A1B5-46D5-88CF-FF803D9C05FA}" type="datetimeFigureOut">
               <a:rPr lang="en-US" smtClean="0"/>
-              <a:t>06-Apr-20</a:t>
+              <a:t>04-Apr-20</a:t>
             </a:fld>
             <a:endParaRPr lang="en-US"/>
           </a:p>
@@ -9435,7 +9434,7 @@
         </p:nvSpPr>
         <p:spPr>
           <a:xfrm>
-            <a:off x="5898963" y="3158872"/>
+            <a:off x="5880144" y="3176896"/>
             <a:ext cx="378158" cy="213479"/>
           </a:xfrm>
           <a:prstGeom prst="rect">
@@ -11930,45 +11929,10 @@
             </a:pPr>
             <a:r>
               <a:rPr lang="en-US" sz="2400" dirty="0">
-                <a:latin typeface="Arial" panose="020B0604020202020204" pitchFamily="34" charset="0"/>
-                <a:cs typeface="Arial" panose="020B0604020202020204" pitchFamily="34" charset="0"/>
+                <a:latin typeface="Franklin Gothic Book" panose="020B0503020102020204" pitchFamily="34" charset="0"/>
               </a:rPr>
-              <a:t>We are building a </a:t>
-            </a:r>
-            <a:r>
-              <a:rPr lang="en-US" sz="2400" b="1" i="1" dirty="0">
-                <a:latin typeface="Arial" panose="020B0604020202020204" pitchFamily="34" charset="0"/>
-                <a:cs typeface="Arial" panose="020B0604020202020204" pitchFamily="34" charset="0"/>
-              </a:rPr>
-              <a:t>generic</a:t>
-            </a:r>
-            <a:r>
-              <a:rPr lang="en-US" sz="2400" dirty="0">
-                <a:latin typeface="Arial" panose="020B0604020202020204" pitchFamily="34" charset="0"/>
-                <a:cs typeface="Arial" panose="020B0604020202020204" pitchFamily="34" charset="0"/>
-              </a:rPr>
-              <a:t> UVM to verify the functionality of three different open-source soft processors (or any available core with the same instructions and specifications), based on three different ISAs and having different number of pipeline stages (Ri5cy, Leon 2.4 and Amber a23/a25). </a:t>
-            </a:r>
-          </a:p>
-          <a:p>
-            <a:pPr marL="0" indent="0">
-              <a:buNone/>
-            </a:pPr>
-            <a:r>
-              <a:rPr lang="en-US" sz="2400" dirty="0">
-                <a:latin typeface="Arial" panose="020B0604020202020204" pitchFamily="34" charset="0"/>
-                <a:cs typeface="Arial" panose="020B0604020202020204" pitchFamily="34" charset="0"/>
-              </a:rPr>
-              <a:t>Comparing to the related works, we found none of them hosting the same idea/concept of a generic UVM (the same UVM test bench without any tweaking) to verify different IPs or soft processors, but they are all based on a quite similar UVM components infrastructure. </a:t>
-            </a:r>
-          </a:p>
-          <a:p>
-            <a:pPr marL="0" indent="0">
-              <a:buNone/>
-            </a:pPr>
-            <a:endParaRPr lang="en-US" sz="2400" dirty="0">
-              <a:latin typeface="Franklin Gothic Book" panose="020B0503020102020204" pitchFamily="34" charset="0"/>
-            </a:endParaRPr>
+              <a:t>//</a:t>
+            </a:r>
           </a:p>
         </p:txBody>
       </p:sp>
@@ -12269,138 +12233,10 @@
             </a:pPr>
             <a:r>
               <a:rPr lang="en-US" sz="2400" dirty="0">
-                <a:latin typeface="Arial" panose="020B0604020202020204" pitchFamily="34" charset="0"/>
-                <a:cs typeface="Arial" panose="020B0604020202020204" pitchFamily="34" charset="0"/>
+                <a:latin typeface="Franklin Gothic Book" panose="020B0503020102020204" pitchFamily="34" charset="0"/>
               </a:rPr>
-              <a:t>The user can use our generic UVM test bench by doing the following steps: </a:t>
-            </a:r>
-          </a:p>
-          <a:p>
-            <a:pPr marL="457200" indent="-457200">
-              <a:buFont typeface="+mj-lt"/>
-              <a:buAutoNum type="arabicPeriod"/>
-            </a:pPr>
-            <a:r>
-              <a:rPr lang="en-US" sz="2400" dirty="0">
-                <a:latin typeface="Arial" panose="020B0604020202020204" pitchFamily="34" charset="0"/>
-                <a:cs typeface="Arial" panose="020B0604020202020204" pitchFamily="34" charset="0"/>
-              </a:rPr>
-              <a:t>download the source code from GitHub with this link: </a:t>
-            </a:r>
-            <a:r>
-              <a:rPr lang="en-US" sz="1800" dirty="0">
-                <a:solidFill>
-                  <a:srgbClr val="0000FF"/>
-                </a:solidFill>
-                <a:latin typeface="Arial" panose="020B0604020202020204" pitchFamily="34" charset="0"/>
-                <a:cs typeface="Arial" panose="020B0604020202020204" pitchFamily="34" charset="0"/>
-                <a:hlinkClick r:id="rId2"/>
-              </a:rPr>
-              <a:t>https://github.com/cufeolm/codeGP.git</a:t>
-            </a:r>
-            <a:r>
-              <a:rPr lang="en-US" sz="1800" dirty="0">
-                <a:solidFill>
-                  <a:srgbClr val="0000FF"/>
-                </a:solidFill>
-                <a:latin typeface="Arial" panose="020B0604020202020204" pitchFamily="34" charset="0"/>
-                <a:cs typeface="Arial" panose="020B0604020202020204" pitchFamily="34" charset="0"/>
-              </a:rPr>
-              <a:t> </a:t>
-            </a:r>
-          </a:p>
-          <a:p>
-            <a:pPr marL="457200" indent="-457200">
-              <a:buFont typeface="+mj-lt"/>
-              <a:buAutoNum type="arabicPeriod"/>
-            </a:pPr>
-            <a:r>
-              <a:rPr lang="en-US" sz="2400" dirty="0">
-                <a:latin typeface="Arial" panose="020B0604020202020204" pitchFamily="34" charset="0"/>
-                <a:cs typeface="Arial" panose="020B0604020202020204" pitchFamily="34" charset="0"/>
-              </a:rPr>
-              <a:t>Run the .bat file of the desired core to start the test bench: </a:t>
-            </a:r>
-            <a:r>
-              <a:rPr lang="en-US" sz="2400" b="1" i="1" dirty="0">
-                <a:latin typeface="Arial" panose="020B0604020202020204" pitchFamily="34" charset="0"/>
-                <a:cs typeface="Arial" panose="020B0604020202020204" pitchFamily="34" charset="0"/>
-              </a:rPr>
-              <a:t>a.bat</a:t>
-            </a:r>
-            <a:r>
-              <a:rPr lang="en-US" sz="2400" dirty="0">
-                <a:latin typeface="Arial" panose="020B0604020202020204" pitchFamily="34" charset="0"/>
-                <a:cs typeface="Arial" panose="020B0604020202020204" pitchFamily="34" charset="0"/>
-              </a:rPr>
-              <a:t> for Amber core, </a:t>
-            </a:r>
-            <a:r>
-              <a:rPr lang="en-US" sz="2400" b="1" i="1" dirty="0">
-                <a:latin typeface="Arial" panose="020B0604020202020204" pitchFamily="34" charset="0"/>
-                <a:cs typeface="Arial" panose="020B0604020202020204" pitchFamily="34" charset="0"/>
-              </a:rPr>
-              <a:t>l.bat </a:t>
-            </a:r>
-            <a:r>
-              <a:rPr lang="en-US" sz="2400" dirty="0">
-                <a:latin typeface="Arial" panose="020B0604020202020204" pitchFamily="34" charset="0"/>
-                <a:cs typeface="Arial" panose="020B0604020202020204" pitchFamily="34" charset="0"/>
-              </a:rPr>
-              <a:t>for Leon core and </a:t>
-            </a:r>
-            <a:r>
-              <a:rPr lang="en-US" sz="2400" b="1" i="1" dirty="0">
-                <a:latin typeface="Arial" panose="020B0604020202020204" pitchFamily="34" charset="0"/>
-                <a:cs typeface="Arial" panose="020B0604020202020204" pitchFamily="34" charset="0"/>
-              </a:rPr>
-              <a:t>r.bat </a:t>
-            </a:r>
-            <a:r>
-              <a:rPr lang="en-US" sz="2400" dirty="0">
-                <a:latin typeface="Arial" panose="020B0604020202020204" pitchFamily="34" charset="0"/>
-                <a:cs typeface="Arial" panose="020B0604020202020204" pitchFamily="34" charset="0"/>
-              </a:rPr>
-              <a:t>for Ri5cy core.</a:t>
-            </a:r>
-          </a:p>
-          <a:p>
-            <a:pPr marL="457200" indent="-457200">
-              <a:buFont typeface="+mj-lt"/>
-              <a:buAutoNum type="arabicPeriod"/>
-            </a:pPr>
-            <a:r>
-              <a:rPr lang="en-US" sz="2400" dirty="0">
-                <a:latin typeface="Arial" panose="020B0604020202020204" pitchFamily="34" charset="0"/>
-                <a:cs typeface="Arial" panose="020B0604020202020204" pitchFamily="34" charset="0"/>
-              </a:rPr>
-              <a:t>Check the transcript file for results.</a:t>
-            </a:r>
-          </a:p>
-          <a:p>
-            <a:pPr marL="0" indent="0">
-              <a:buNone/>
-            </a:pPr>
-            <a:r>
-              <a:rPr lang="en-US" sz="2400" dirty="0">
-                <a:latin typeface="Arial" panose="020B0604020202020204" pitchFamily="34" charset="0"/>
-                <a:cs typeface="Arial" panose="020B0604020202020204" pitchFamily="34" charset="0"/>
-              </a:rPr>
-              <a:t>The following figures in the next slide are screenshots from the transcript showing the result of the generic UVM.</a:t>
-            </a:r>
-          </a:p>
-          <a:p>
-            <a:pPr marL="457200" indent="-457200">
-              <a:buFont typeface="+mj-lt"/>
-              <a:buAutoNum type="arabicPeriod"/>
-            </a:pPr>
-            <a:endParaRPr lang="en-US" sz="1800" dirty="0">
-              <a:solidFill>
-                <a:srgbClr val="0000FF"/>
-              </a:solidFill>
-              <a:latin typeface="Arial" panose="020B0604020202020204" pitchFamily="34" charset="0"/>
-              <a:cs typeface="Arial" panose="020B0604020202020204" pitchFamily="34" charset="0"/>
-            </a:endParaRPr>
+              <a:t>//</a:t>
+            </a:r>
           </a:p>
         </p:txBody>
       </p:sp>
@@ -12418,234 +12254,6 @@
 </file>
 
 <file path=ppt/slides/slide13.xml><?xml version="1.0" encoding="utf-8"?>
-<p:sld xmlns:a="http://schemas.openxmlformats.org/drawingml/2006/main" xmlns:r="http://schemas.openxmlformats.org/officeDocument/2006/relationships" xmlns:p="http://schemas.openxmlformats.org/presentationml/2006/main">
-  <p:cSld>
-    <p:spTree>
-      <p:nvGrpSpPr>
-        <p:cNvPr id="1" name=""/>
-        <p:cNvGrpSpPr/>
-        <p:nvPr/>
-      </p:nvGrpSpPr>
-      <p:grpSpPr>
-        <a:xfrm>
-          <a:off x="0" y="0"/>
-          <a:ext cx="0" cy="0"/>
-          <a:chOff x="0" y="0"/>
-          <a:chExt cx="0" cy="0"/>
-        </a:xfrm>
-      </p:grpSpPr>
-      <p:pic>
-        <p:nvPicPr>
-          <p:cNvPr id="2" name="Picture 1">
-            <a:extLst>
-              <a:ext uri="{FF2B5EF4-FFF2-40B4-BE49-F238E27FC236}">
-                <a16:creationId xmlns:a16="http://schemas.microsoft.com/office/drawing/2014/main" id="{AFD33F3E-BDFE-40E8-9740-FB8F7FB714FA}"/>
-              </a:ext>
-            </a:extLst>
-          </p:cNvPr>
-          <p:cNvPicPr>
-            <a:picLocks noChangeAspect="1"/>
-          </p:cNvPicPr>
-          <p:nvPr/>
-        </p:nvPicPr>
-        <p:blipFill>
-          <a:blip r:embed="rId2"/>
-          <a:stretch>
-            <a:fillRect/>
-          </a:stretch>
-        </p:blipFill>
-        <p:spPr>
-          <a:xfrm>
-            <a:off x="3167400" y="159443"/>
-            <a:ext cx="5857197" cy="2811972"/>
-          </a:xfrm>
-          <a:prstGeom prst="rect">
-            <a:avLst/>
-          </a:prstGeom>
-        </p:spPr>
-      </p:pic>
-      <p:pic>
-        <p:nvPicPr>
-          <p:cNvPr id="3" name="Picture 2">
-            <a:extLst>
-              <a:ext uri="{FF2B5EF4-FFF2-40B4-BE49-F238E27FC236}">
-                <a16:creationId xmlns:a16="http://schemas.microsoft.com/office/drawing/2014/main" id="{D309C6E1-9FDA-43C5-B4A1-D44272DA7C91}"/>
-              </a:ext>
-            </a:extLst>
-          </p:cNvPr>
-          <p:cNvPicPr>
-            <a:picLocks noChangeAspect="1"/>
-          </p:cNvPicPr>
-          <p:nvPr/>
-        </p:nvPicPr>
-        <p:blipFill>
-          <a:blip r:embed="rId3"/>
-          <a:stretch>
-            <a:fillRect/>
-          </a:stretch>
-        </p:blipFill>
-        <p:spPr>
-          <a:xfrm>
-            <a:off x="238803" y="3519939"/>
-            <a:ext cx="5857197" cy="2827757"/>
-          </a:xfrm>
-          <a:prstGeom prst="rect">
-            <a:avLst/>
-          </a:prstGeom>
-        </p:spPr>
-      </p:pic>
-      <p:sp>
-        <p:nvSpPr>
-          <p:cNvPr id="4" name="TextBox 3">
-            <a:extLst>
-              <a:ext uri="{FF2B5EF4-FFF2-40B4-BE49-F238E27FC236}">
-                <a16:creationId xmlns:a16="http://schemas.microsoft.com/office/drawing/2014/main" id="{51260E22-1A7E-4464-AF20-48BD97C710BB}"/>
-              </a:ext>
-            </a:extLst>
-          </p:cNvPr>
-          <p:cNvSpPr txBox="1"/>
-          <p:nvPr/>
-        </p:nvSpPr>
-        <p:spPr>
-          <a:xfrm>
-            <a:off x="4969496" y="2971415"/>
-            <a:ext cx="2253006" cy="369332"/>
-          </a:xfrm>
-          <a:prstGeom prst="rect">
-            <a:avLst/>
-          </a:prstGeom>
-          <a:noFill/>
-        </p:spPr>
-        <p:txBody>
-          <a:bodyPr wrap="square" rtlCol="0">
-            <a:spAutoFit/>
-          </a:bodyPr>
-          <a:lstStyle/>
-          <a:p>
-            <a:pPr algn="ctr"/>
-            <a:r>
-              <a:rPr lang="en-US" dirty="0"/>
-              <a:t>Ri5cy core</a:t>
-            </a:r>
-          </a:p>
-        </p:txBody>
-      </p:sp>
-      <p:sp>
-        <p:nvSpPr>
-          <p:cNvPr id="5" name="TextBox 4">
-            <a:extLst>
-              <a:ext uri="{FF2B5EF4-FFF2-40B4-BE49-F238E27FC236}">
-                <a16:creationId xmlns:a16="http://schemas.microsoft.com/office/drawing/2014/main" id="{26A26C7A-30DD-4588-9A37-EA4E2DE08F54}"/>
-              </a:ext>
-            </a:extLst>
-          </p:cNvPr>
-          <p:cNvSpPr txBox="1"/>
-          <p:nvPr/>
-        </p:nvSpPr>
-        <p:spPr>
-          <a:xfrm>
-            <a:off x="2040898" y="6347696"/>
-            <a:ext cx="2253006" cy="369332"/>
-          </a:xfrm>
-          <a:prstGeom prst="rect">
-            <a:avLst/>
-          </a:prstGeom>
-          <a:noFill/>
-        </p:spPr>
-        <p:txBody>
-          <a:bodyPr wrap="square" rtlCol="0">
-            <a:spAutoFit/>
-          </a:bodyPr>
-          <a:lstStyle/>
-          <a:p>
-            <a:pPr algn="ctr"/>
-            <a:r>
-              <a:rPr lang="en-US" dirty="0"/>
-              <a:t>Amber core</a:t>
-            </a:r>
-          </a:p>
-        </p:txBody>
-      </p:sp>
-      <p:pic>
-        <p:nvPicPr>
-          <p:cNvPr id="6" name="Picture 5">
-            <a:extLst>
-              <a:ext uri="{FF2B5EF4-FFF2-40B4-BE49-F238E27FC236}">
-                <a16:creationId xmlns:a16="http://schemas.microsoft.com/office/drawing/2014/main" id="{E358AFA7-E95E-47BC-BD16-3D65DD0EDB06}"/>
-              </a:ext>
-            </a:extLst>
-          </p:cNvPr>
-          <p:cNvPicPr>
-            <a:picLocks noChangeAspect="1"/>
-          </p:cNvPicPr>
-          <p:nvPr/>
-        </p:nvPicPr>
-        <p:blipFill>
-          <a:blip r:embed="rId4"/>
-          <a:stretch>
-            <a:fillRect/>
-          </a:stretch>
-        </p:blipFill>
-        <p:spPr>
-          <a:xfrm>
-            <a:off x="6283428" y="3517254"/>
-            <a:ext cx="5669769" cy="2811972"/>
-          </a:xfrm>
-          <a:prstGeom prst="rect">
-            <a:avLst/>
-          </a:prstGeom>
-        </p:spPr>
-      </p:pic>
-      <p:sp>
-        <p:nvSpPr>
-          <p:cNvPr id="7" name="TextBox 6">
-            <a:extLst>
-              <a:ext uri="{FF2B5EF4-FFF2-40B4-BE49-F238E27FC236}">
-                <a16:creationId xmlns:a16="http://schemas.microsoft.com/office/drawing/2014/main" id="{CD4FD4EB-1D18-41C7-BFBD-39B2F9085F0C}"/>
-              </a:ext>
-            </a:extLst>
-          </p:cNvPr>
-          <p:cNvSpPr txBox="1"/>
-          <p:nvPr/>
-        </p:nvSpPr>
-        <p:spPr>
-          <a:xfrm>
-            <a:off x="7991809" y="6352724"/>
-            <a:ext cx="2253006" cy="369332"/>
-          </a:xfrm>
-          <a:prstGeom prst="rect">
-            <a:avLst/>
-          </a:prstGeom>
-          <a:noFill/>
-        </p:spPr>
-        <p:txBody>
-          <a:bodyPr wrap="square" rtlCol="0">
-            <a:spAutoFit/>
-          </a:bodyPr>
-          <a:lstStyle/>
-          <a:p>
-            <a:pPr algn="ctr"/>
-            <a:r>
-              <a:rPr lang="en-US" dirty="0"/>
-              <a:t>Leon core</a:t>
-            </a:r>
-          </a:p>
-        </p:txBody>
-      </p:sp>
-    </p:spTree>
-    <p:extLst>
-      <p:ext uri="{BB962C8B-B14F-4D97-AF65-F5344CB8AC3E}">
-        <p14:creationId xmlns:p14="http://schemas.microsoft.com/office/powerpoint/2010/main" val="441899132"/>
-      </p:ext>
-    </p:extLst>
-  </p:cSld>
-  <p:clrMapOvr>
-    <a:masterClrMapping/>
-  </p:clrMapOvr>
-</p:sld>
-</file>
-
-<file path=ppt/slides/slide14.xml><?xml version="1.0" encoding="utf-8"?>
 <p:sld xmlns:a="http://schemas.openxmlformats.org/drawingml/2006/main" xmlns:r="http://schemas.openxmlformats.org/officeDocument/2006/relationships" xmlns:p="http://schemas.openxmlformats.org/presentationml/2006/main">
   <p:cSld>
     <p:spTree>
@@ -12757,7 +12365,7 @@
         </p:spPr>
         <p:txBody>
           <a:bodyPr>
-            <a:normAutofit lnSpcReduction="10000"/>
+            <a:normAutofit/>
           </a:bodyPr>
           <a:lstStyle>
             <a:lvl1pPr marL="228600" indent="-228600" algn="l" defTabSz="914400" rtl="0" eaLnBrk="1" latinLnBrk="0" hangingPunct="1">
@@ -12929,131 +12537,10 @@
             </a:pPr>
             <a:r>
               <a:rPr lang="en-US" sz="2400" dirty="0">
-                <a:latin typeface="Arial" panose="020B0604020202020204" pitchFamily="34" charset="0"/>
-                <a:cs typeface="Arial" panose="020B0604020202020204" pitchFamily="34" charset="0"/>
+                <a:latin typeface="Franklin Gothic Book" panose="020B0503020102020204" pitchFamily="34" charset="0"/>
               </a:rPr>
-              <a:t>As a conclusion: with our 1</a:t>
-            </a:r>
-            <a:r>
-              <a:rPr lang="en-US" sz="2400" baseline="30000" dirty="0">
-                <a:latin typeface="Arial" panose="020B0604020202020204" pitchFamily="34" charset="0"/>
-                <a:cs typeface="Arial" panose="020B0604020202020204" pitchFamily="34" charset="0"/>
-              </a:rPr>
-              <a:t>st</a:t>
-            </a:r>
-            <a:r>
-              <a:rPr lang="en-US" sz="2400" dirty="0">
-                <a:latin typeface="Arial" panose="020B0604020202020204" pitchFamily="34" charset="0"/>
-                <a:cs typeface="Arial" panose="020B0604020202020204" pitchFamily="34" charset="0"/>
-              </a:rPr>
-              <a:t> milestone of the implementation of the generic UVM, we have successfully proven the possibility/idea of creating only one UVM to verify more </a:t>
-            </a:r>
-            <a:r>
-              <a:rPr lang="en-US" sz="2400">
-                <a:latin typeface="Arial" panose="020B0604020202020204" pitchFamily="34" charset="0"/>
-                <a:cs typeface="Arial" panose="020B0604020202020204" pitchFamily="34" charset="0"/>
-              </a:rPr>
-              <a:t>than one core </a:t>
-            </a:r>
-            <a:r>
-              <a:rPr lang="en-US" sz="2400" dirty="0">
-                <a:latin typeface="Arial" panose="020B0604020202020204" pitchFamily="34" charset="0"/>
-                <a:cs typeface="Arial" panose="020B0604020202020204" pitchFamily="34" charset="0"/>
-              </a:rPr>
-              <a:t>(soft processor).</a:t>
-            </a:r>
-          </a:p>
-          <a:p>
-            <a:pPr marL="0" indent="0">
-              <a:buNone/>
-            </a:pPr>
-            <a:r>
-              <a:rPr lang="en-US" sz="2400" dirty="0">
-                <a:latin typeface="Arial" panose="020B0604020202020204" pitchFamily="34" charset="0"/>
-                <a:cs typeface="Arial" panose="020B0604020202020204" pitchFamily="34" charset="0"/>
-              </a:rPr>
-              <a:t>The next milestones will cover the following:  </a:t>
-            </a:r>
-          </a:p>
-          <a:p>
-            <a:pPr marL="457200" indent="-457200">
-              <a:buAutoNum type="arabicPeriod"/>
-            </a:pPr>
-            <a:r>
-              <a:rPr lang="en-US" sz="2400" dirty="0">
-                <a:latin typeface="Arial" panose="020B0604020202020204" pitchFamily="34" charset="0"/>
-                <a:cs typeface="Arial" panose="020B0604020202020204" pitchFamily="34" charset="0"/>
-              </a:rPr>
-              <a:t>Testing the functionality of the rest of  the instructions of the three different cores.</a:t>
-            </a:r>
-          </a:p>
-          <a:p>
-            <a:pPr marL="457200" indent="-457200">
-              <a:buAutoNum type="arabicPeriod"/>
-            </a:pPr>
-            <a:r>
-              <a:rPr lang="en-US" sz="2400" dirty="0">
-                <a:latin typeface="Arial" panose="020B0604020202020204" pitchFamily="34" charset="0"/>
-                <a:cs typeface="Arial" panose="020B0604020202020204" pitchFamily="34" charset="0"/>
-              </a:rPr>
-              <a:t>Negative testing.</a:t>
-            </a:r>
-          </a:p>
-          <a:p>
-            <a:pPr marL="0" indent="0">
-              <a:buNone/>
-            </a:pPr>
-            <a:r>
-              <a:rPr lang="en-US" sz="2400" dirty="0">
-                <a:latin typeface="Arial" panose="020B0604020202020204" pitchFamily="34" charset="0"/>
-                <a:cs typeface="Arial" panose="020B0604020202020204" pitchFamily="34" charset="0"/>
-              </a:rPr>
-              <a:t>Future work:</a:t>
-            </a:r>
-          </a:p>
-          <a:p>
-            <a:pPr marL="457200" indent="-457200">
-              <a:buAutoNum type="arabicPeriod"/>
-            </a:pPr>
-            <a:r>
-              <a:rPr lang="en-US" sz="2400" dirty="0">
-                <a:latin typeface="Arial" panose="020B0604020202020204" pitchFamily="34" charset="0"/>
-                <a:cs typeface="Arial" panose="020B0604020202020204" pitchFamily="34" charset="0"/>
-              </a:rPr>
-              <a:t>A complete coverage for the three DUTs.</a:t>
-            </a:r>
-          </a:p>
-          <a:p>
-            <a:pPr marL="457200" indent="-457200">
-              <a:buAutoNum type="arabicPeriod"/>
-            </a:pPr>
-            <a:r>
-              <a:rPr lang="en-US" sz="2400" dirty="0">
-                <a:latin typeface="Arial" panose="020B0604020202020204" pitchFamily="34" charset="0"/>
-                <a:cs typeface="Arial" panose="020B0604020202020204" pitchFamily="34" charset="0"/>
-              </a:rPr>
-              <a:t>Applying the concept of the generic UVM on a complete SOC.</a:t>
-            </a:r>
-          </a:p>
-          <a:p>
-            <a:pPr marL="457200" indent="-457200">
-              <a:buAutoNum type="arabicPeriod"/>
-            </a:pPr>
-            <a:r>
-              <a:rPr lang="en-US" sz="2400" dirty="0">
-                <a:latin typeface="Arial" panose="020B0604020202020204" pitchFamily="34" charset="0"/>
-                <a:cs typeface="Arial" panose="020B0604020202020204" pitchFamily="34" charset="0"/>
-              </a:rPr>
-              <a:t>Applying different machine learning algorithms to reach the golden dream/goal: only one verification methodology to verify everything.</a:t>
-            </a:r>
-          </a:p>
-          <a:p>
-            <a:pPr marL="0" indent="0">
-              <a:buNone/>
-            </a:pPr>
-            <a:endParaRPr lang="en-US" sz="2400" dirty="0">
-              <a:latin typeface="Franklin Gothic Book" panose="020B0503020102020204" pitchFamily="34" charset="0"/>
-            </a:endParaRPr>
+              <a:t>//</a:t>
+            </a:r>
           </a:p>
         </p:txBody>
       </p:sp>
@@ -13412,7 +12899,7 @@
         </p:spPr>
         <p:txBody>
           <a:bodyPr>
-            <a:normAutofit lnSpcReduction="10000"/>
+            <a:normAutofit/>
           </a:bodyPr>
           <a:lstStyle>
             <a:lvl1pPr marL="228600" indent="-228600" algn="l" defTabSz="914400" rtl="0" eaLnBrk="1" latinLnBrk="0" hangingPunct="1">
@@ -13579,93 +13066,15 @@
             </a:lvl9pPr>
           </a:lstStyle>
           <a:p>
-            <a:r>
-              <a:rPr lang="en-US" sz="2300" dirty="0">
-                <a:latin typeface="Arial" panose="020B0604020202020204" pitchFamily="34" charset="0"/>
-                <a:cs typeface="Arial" panose="020B0604020202020204" pitchFamily="34" charset="0"/>
-              </a:rPr>
-              <a:t>Leading up to the past decade, Digital IC development and verification suffered severely, due to lack of efficiency and testing constraints on manually-established test benches. Older environments included poorly-written VHDL/Verilog models, and almost 60% of the total project time involved an extreme hassle to adequately verily or even achieve basic functional testing.</a:t>
-            </a:r>
-          </a:p>
-          <a:p>
-            <a:r>
-              <a:rPr lang="en-US" sz="2300" dirty="0">
-                <a:latin typeface="Arial" panose="020B0604020202020204" pitchFamily="34" charset="0"/>
-                <a:cs typeface="Arial" panose="020B0604020202020204" pitchFamily="34" charset="0"/>
-              </a:rPr>
-              <a:t>Although System Verilog quickly took the mantle as the industry’s first </a:t>
-            </a:r>
-            <a:r>
-              <a:rPr lang="en-US" sz="2300" i="1" dirty="0">
-                <a:latin typeface="Arial" panose="020B0604020202020204" pitchFamily="34" charset="0"/>
-                <a:cs typeface="Arial" panose="020B0604020202020204" pitchFamily="34" charset="0"/>
-              </a:rPr>
-              <a:t>Hardware Description and Verification Language (HDVL)</a:t>
-            </a:r>
-            <a:r>
-              <a:rPr lang="en-US" sz="2300" dirty="0">
-                <a:latin typeface="Arial" panose="020B0604020202020204" pitchFamily="34" charset="0"/>
-                <a:cs typeface="Arial" panose="020B0604020202020204" pitchFamily="34" charset="0"/>
-              </a:rPr>
-              <a:t>, it wasn’t long until proper verification plans and </a:t>
-            </a:r>
-            <a:r>
-              <a:rPr lang="en-US" sz="2300" i="1" dirty="0">
-                <a:latin typeface="Arial" panose="020B0604020202020204" pitchFamily="34" charset="0"/>
-                <a:cs typeface="Arial" panose="020B0604020202020204" pitchFamily="34" charset="0"/>
-              </a:rPr>
-              <a:t>Constrained-Random Verification (CRV) </a:t>
-            </a:r>
-            <a:r>
-              <a:rPr lang="en-US" sz="2300" dirty="0">
-                <a:latin typeface="Arial" panose="020B0604020202020204" pitchFamily="34" charset="0"/>
-                <a:cs typeface="Arial" panose="020B0604020202020204" pitchFamily="34" charset="0"/>
-              </a:rPr>
-              <a:t>were introduced as main pillars of the </a:t>
-            </a:r>
-            <a:r>
-              <a:rPr lang="en-US" sz="2300" b="1" dirty="0">
-                <a:latin typeface="Arial" panose="020B0604020202020204" pitchFamily="34" charset="0"/>
-                <a:cs typeface="Arial" panose="020B0604020202020204" pitchFamily="34" charset="0"/>
-              </a:rPr>
-              <a:t>Universal Verification Methodology (UVM)</a:t>
-            </a:r>
-            <a:r>
-              <a:rPr lang="en-GB" sz="2300" dirty="0">
-                <a:latin typeface="Arial" panose="020B0604020202020204" pitchFamily="34" charset="0"/>
-                <a:cs typeface="Arial" panose="020B0604020202020204" pitchFamily="34" charset="0"/>
-              </a:rPr>
-              <a:t>; implementing a real-world test-case generator in a pseudo-random controlled and constrained randomness.</a:t>
-            </a:r>
-          </a:p>
-          <a:p>
-            <a:r>
-              <a:rPr lang="en-US" sz="2300" b="1" dirty="0">
-                <a:latin typeface="Arial" panose="020B0604020202020204" pitchFamily="34" charset="0"/>
-                <a:cs typeface="Arial" panose="020B0604020202020204" pitchFamily="34" charset="0"/>
-              </a:rPr>
-              <a:t>UVM </a:t>
-            </a:r>
-            <a:r>
-              <a:rPr lang="en-US" sz="2300" dirty="0">
-                <a:latin typeface="Arial" panose="020B0604020202020204" pitchFamily="34" charset="0"/>
-                <a:cs typeface="Arial" panose="020B0604020202020204" pitchFamily="34" charset="0"/>
-              </a:rPr>
-              <a:t>blocks can tackle complex multiple-pipeline CPU designs/ISA’s, including multiple-precision operations; while being absolutely re-usable, encapsulated, and accommodates wide range of design sizes and types, in addition to providing functional coverage methodologies.</a:t>
-            </a:r>
-            <a:endParaRPr lang="en-US" sz="2300" b="1" dirty="0">
-              <a:latin typeface="Arial" panose="020B0604020202020204" pitchFamily="34" charset="0"/>
-              <a:cs typeface="Arial" panose="020B0604020202020204" pitchFamily="34" charset="0"/>
-            </a:endParaRPr>
-          </a:p>
-          <a:p>
             <a:pPr marL="0" indent="0">
               <a:buNone/>
             </a:pPr>
-            <a:endParaRPr lang="en-US" sz="2400" dirty="0">
-              <a:latin typeface="Arial" panose="020B0604020202020204" pitchFamily="34" charset="0"/>
-              <a:cs typeface="Arial" panose="020B0604020202020204" pitchFamily="34" charset="0"/>
-            </a:endParaRPr>
+            <a:r>
+              <a:rPr lang="en-US" sz="2400" dirty="0">
+                <a:latin typeface="Franklin Gothic Book" panose="020B0503020102020204" pitchFamily="34" charset="0"/>
+              </a:rPr>
+              <a:t>//</a:t>
+            </a:r>
           </a:p>
         </p:txBody>
       </p:sp>
@@ -14006,7 +13415,7 @@
                 <a:latin typeface="Arial" panose="020B0604020202020204" pitchFamily="34" charset="0"/>
                 <a:cs typeface="Arial" panose="020B0604020202020204" pitchFamily="34" charset="0"/>
               </a:rPr>
-              <a:t>The time spent by the verification engineers to verify the functionality of any complex design using ordinary verification plans consumes more than half of the total project time.</a:t>
+              <a:t>The time spent by the verification engineers to verify the functionality of any design using ordinary verification plans consumes more than 60% of the total project time.</a:t>
             </a:r>
           </a:p>
           <a:p>
@@ -14733,72 +14142,9 @@
             </a:pPr>
             <a:r>
               <a:rPr lang="en-US" sz="2400" dirty="0">
-                <a:latin typeface="Arial" panose="020B0604020202020204" pitchFamily="34" charset="0"/>
-                <a:cs typeface="Arial" panose="020B0604020202020204" pitchFamily="34" charset="0"/>
+                <a:latin typeface="Franklin Gothic Book" panose="020B0503020102020204" pitchFamily="34" charset="0"/>
               </a:rPr>
-              <a:t>We didn’t find any related works with the same idea/concept of a generic UVM (the same UVM test bench without any tweaking) to verify different IPs or soft processors (cores); all the related works are based on the idea of implementing a UVM test bench to verify only one DUT (can be reused but after tweaking the source code itself).</a:t>
-            </a:r>
-          </a:p>
-          <a:p>
-            <a:pPr marL="0" indent="0">
-              <a:buNone/>
-            </a:pPr>
-            <a:r>
-              <a:rPr lang="en-US" sz="2400" dirty="0">
-                <a:latin typeface="Arial" panose="020B0604020202020204" pitchFamily="34" charset="0"/>
-                <a:cs typeface="Arial" panose="020B0604020202020204" pitchFamily="34" charset="0"/>
-              </a:rPr>
-              <a:t>Some of the references we toke as guidelines during this milestone:</a:t>
-            </a:r>
-          </a:p>
-          <a:p>
-            <a:pPr marL="457200" indent="-457200">
-              <a:buAutoNum type="arabicPeriod"/>
-            </a:pPr>
-            <a:r>
-              <a:rPr lang="en-US" sz="2400" dirty="0">
-                <a:latin typeface="Arial" panose="020B0604020202020204" pitchFamily="34" charset="0"/>
-                <a:cs typeface="Arial" panose="020B0604020202020204" pitchFamily="34" charset="0"/>
-              </a:rPr>
-              <a:t>“The UVM Primer: An Introduction to the Universal Verification Methodology” by Ray </a:t>
-            </a:r>
-            <a:r>
-              <a:rPr lang="en-US" sz="2400" dirty="0" err="1">
-                <a:latin typeface="Arial" panose="020B0604020202020204" pitchFamily="34" charset="0"/>
-                <a:cs typeface="Arial" panose="020B0604020202020204" pitchFamily="34" charset="0"/>
-              </a:rPr>
-              <a:t>Salemi</a:t>
-            </a:r>
-            <a:r>
-              <a:rPr lang="en-US" sz="2400" dirty="0">
-                <a:latin typeface="Arial" panose="020B0604020202020204" pitchFamily="34" charset="0"/>
-                <a:cs typeface="Arial" panose="020B0604020202020204" pitchFamily="34" charset="0"/>
-              </a:rPr>
-              <a:t>. </a:t>
-            </a:r>
-          </a:p>
-          <a:p>
-            <a:pPr marL="457200" indent="-457200">
-              <a:buAutoNum type="arabicPeriod"/>
-            </a:pPr>
-            <a:r>
-              <a:rPr lang="en-US" sz="2400" dirty="0">
-                <a:latin typeface="Arial" panose="020B0604020202020204" pitchFamily="34" charset="0"/>
-                <a:cs typeface="Arial" panose="020B0604020202020204" pitchFamily="34" charset="0"/>
-              </a:rPr>
-              <a:t>“Five Stage Pipelined MIPS Processor Veriﬁcation using UVM” from GitHub + the source code.</a:t>
-            </a:r>
-          </a:p>
-          <a:p>
-            <a:pPr marL="457200" indent="-457200">
-              <a:buAutoNum type="arabicPeriod"/>
-            </a:pPr>
-            <a:r>
-              <a:rPr lang="en-US" sz="2400" dirty="0">
-                <a:latin typeface="Arial" panose="020B0604020202020204" pitchFamily="34" charset="0"/>
-                <a:cs typeface="Arial" panose="020B0604020202020204" pitchFamily="34" charset="0"/>
-              </a:rPr>
-              <a:t>“UVM Cookbook” from Mentor Graphics Verification Academy. </a:t>
+              <a:t>//</a:t>
             </a:r>
           </a:p>
         </p:txBody>
@@ -15297,7 +14643,7 @@
           <p:nvPr>
             <p:extLst>
               <p:ext uri="{D42A27DB-BD31-4B8C-83A1-F6EECF244321}">
-                <p14:modId xmlns:p14="http://schemas.microsoft.com/office/powerpoint/2010/main" val="1080070173"/>
+                <p14:modId xmlns:p14="http://schemas.microsoft.com/office/powerpoint/2010/main" val="2935704989"/>
               </p:ext>
             </p:extLst>
           </p:nvPr>
@@ -15351,11 +14697,7 @@
                       </a:r>
                     </a:p>
                   </a:txBody>
-                  <a:tcPr>
-                    <a:solidFill>
-                      <a:schemeClr val="bg2"/>
-                    </a:solidFill>
-                  </a:tcPr>
+                  <a:tcPr/>
                 </a:tc>
                 <a:tc>
                   <a:txBody>
@@ -15372,11 +14714,7 @@
                       </a:r>
                     </a:p>
                   </a:txBody>
-                  <a:tcPr>
-                    <a:solidFill>
-                      <a:schemeClr val="bg2"/>
-                    </a:solidFill>
-                  </a:tcPr>
+                  <a:tcPr/>
                 </a:tc>
                 <a:tc>
                   <a:txBody>
@@ -15393,11 +14731,7 @@
                       </a:r>
                     </a:p>
                   </a:txBody>
-                  <a:tcPr>
-                    <a:solidFill>
-                      <a:schemeClr val="bg2"/>
-                    </a:solidFill>
-                  </a:tcPr>
+                  <a:tcPr/>
                 </a:tc>
                 <a:extLst>
                   <a:ext uri="{0D108BD9-81ED-4DB2-BD59-A6C34878D82A}">
@@ -15730,8 +15064,19 @@
                           <a:latin typeface="Arial" panose="020B0604020202020204" pitchFamily="34" charset="0"/>
                           <a:cs typeface="Arial" panose="020B0604020202020204" pitchFamily="34" charset="0"/>
                         </a:rPr>
-                        <a:t>Implementing the Sequence, the Sequence items and the Packages</a:t>
+                        <a:t>Implementing the Sequence, the Sequence items </a:t>
                       </a:r>
+                      <a:r>
+                        <a:rPr lang="en-US" sz="1300">
+                          <a:latin typeface="Arial" panose="020B0604020202020204" pitchFamily="34" charset="0"/>
+                          <a:cs typeface="Arial" panose="020B0604020202020204" pitchFamily="34" charset="0"/>
+                        </a:rPr>
+                        <a:t>and the Packages</a:t>
+                      </a:r>
+                      <a:endParaRPr lang="en-US" sz="1300" dirty="0">
+                        <a:latin typeface="Arial" panose="020B0604020202020204" pitchFamily="34" charset="0"/>
+                        <a:cs typeface="Arial" panose="020B0604020202020204" pitchFamily="34" charset="0"/>
+                      </a:endParaRPr>
                     </a:p>
                   </a:txBody>
                   <a:tcPr/>

--- a/Project_progress_Agenda.pptx
+++ b/Project_progress_Agenda.pptx
@@ -17,7 +17,8 @@
     <p:sldId id="268" r:id="rId11"/>
     <p:sldId id="265" r:id="rId12"/>
     <p:sldId id="266" r:id="rId13"/>
-    <p:sldId id="267" r:id="rId14"/>
+    <p:sldId id="269" r:id="rId14"/>
+    <p:sldId id="267" r:id="rId15"/>
   </p:sldIdLst>
   <p:sldSz cx="12192000" cy="6858000"/>
   <p:notesSz cx="6858000" cy="9144000"/>
@@ -253,7 +254,7 @@
           <a:p>
             <a:fld id="{88AD2840-A1B5-46D5-88CF-FF803D9C05FA}" type="datetimeFigureOut">
               <a:rPr lang="en-US" smtClean="0"/>
-              <a:t>04-Apr-20</a:t>
+              <a:t>06-Apr-20</a:t>
             </a:fld>
             <a:endParaRPr lang="en-US"/>
           </a:p>
@@ -421,7 +422,7 @@
           <a:p>
             <a:fld id="{88AD2840-A1B5-46D5-88CF-FF803D9C05FA}" type="datetimeFigureOut">
               <a:rPr lang="en-US" smtClean="0"/>
-              <a:t>04-Apr-20</a:t>
+              <a:t>06-Apr-20</a:t>
             </a:fld>
             <a:endParaRPr lang="en-US"/>
           </a:p>
@@ -599,7 +600,7 @@
           <a:p>
             <a:fld id="{88AD2840-A1B5-46D5-88CF-FF803D9C05FA}" type="datetimeFigureOut">
               <a:rPr lang="en-US" smtClean="0"/>
-              <a:t>04-Apr-20</a:t>
+              <a:t>06-Apr-20</a:t>
             </a:fld>
             <a:endParaRPr lang="en-US"/>
           </a:p>
@@ -767,7 +768,7 @@
           <a:p>
             <a:fld id="{88AD2840-A1B5-46D5-88CF-FF803D9C05FA}" type="datetimeFigureOut">
               <a:rPr lang="en-US" smtClean="0"/>
-              <a:t>04-Apr-20</a:t>
+              <a:t>06-Apr-20</a:t>
             </a:fld>
             <a:endParaRPr lang="en-US"/>
           </a:p>
@@ -1012,7 +1013,7 @@
           <a:p>
             <a:fld id="{88AD2840-A1B5-46D5-88CF-FF803D9C05FA}" type="datetimeFigureOut">
               <a:rPr lang="en-US" smtClean="0"/>
-              <a:t>04-Apr-20</a:t>
+              <a:t>06-Apr-20</a:t>
             </a:fld>
             <a:endParaRPr lang="en-US"/>
           </a:p>
@@ -1241,7 +1242,7 @@
           <a:p>
             <a:fld id="{88AD2840-A1B5-46D5-88CF-FF803D9C05FA}" type="datetimeFigureOut">
               <a:rPr lang="en-US" smtClean="0"/>
-              <a:t>04-Apr-20</a:t>
+              <a:t>06-Apr-20</a:t>
             </a:fld>
             <a:endParaRPr lang="en-US"/>
           </a:p>
@@ -1605,7 +1606,7 @@
           <a:p>
             <a:fld id="{88AD2840-A1B5-46D5-88CF-FF803D9C05FA}" type="datetimeFigureOut">
               <a:rPr lang="en-US" smtClean="0"/>
-              <a:t>04-Apr-20</a:t>
+              <a:t>06-Apr-20</a:t>
             </a:fld>
             <a:endParaRPr lang="en-US"/>
           </a:p>
@@ -1722,7 +1723,7 @@
           <a:p>
             <a:fld id="{88AD2840-A1B5-46D5-88CF-FF803D9C05FA}" type="datetimeFigureOut">
               <a:rPr lang="en-US" smtClean="0"/>
-              <a:t>04-Apr-20</a:t>
+              <a:t>06-Apr-20</a:t>
             </a:fld>
             <a:endParaRPr lang="en-US"/>
           </a:p>
@@ -1817,7 +1818,7 @@
           <a:p>
             <a:fld id="{88AD2840-A1B5-46D5-88CF-FF803D9C05FA}" type="datetimeFigureOut">
               <a:rPr lang="en-US" smtClean="0"/>
-              <a:t>04-Apr-20</a:t>
+              <a:t>06-Apr-20</a:t>
             </a:fld>
             <a:endParaRPr lang="en-US"/>
           </a:p>
@@ -2092,7 +2093,7 @@
           <a:p>
             <a:fld id="{88AD2840-A1B5-46D5-88CF-FF803D9C05FA}" type="datetimeFigureOut">
               <a:rPr lang="en-US" smtClean="0"/>
-              <a:t>04-Apr-20</a:t>
+              <a:t>06-Apr-20</a:t>
             </a:fld>
             <a:endParaRPr lang="en-US"/>
           </a:p>
@@ -2344,7 +2345,7 @@
           <a:p>
             <a:fld id="{88AD2840-A1B5-46D5-88CF-FF803D9C05FA}" type="datetimeFigureOut">
               <a:rPr lang="en-US" smtClean="0"/>
-              <a:t>04-Apr-20</a:t>
+              <a:t>06-Apr-20</a:t>
             </a:fld>
             <a:endParaRPr lang="en-US"/>
           </a:p>
@@ -2555,7 +2556,7 @@
           <a:p>
             <a:fld id="{88AD2840-A1B5-46D5-88CF-FF803D9C05FA}" type="datetimeFigureOut">
               <a:rPr lang="en-US" smtClean="0"/>
-              <a:t>04-Apr-20</a:t>
+              <a:t>06-Apr-20</a:t>
             </a:fld>
             <a:endParaRPr lang="en-US"/>
           </a:p>
@@ -9434,7 +9435,7 @@
         </p:nvSpPr>
         <p:spPr>
           <a:xfrm>
-            <a:off x="5880144" y="3176896"/>
+            <a:off x="5898963" y="3158872"/>
             <a:ext cx="378158" cy="213479"/>
           </a:xfrm>
           <a:prstGeom prst="rect">
@@ -11929,10 +11930,45 @@
             </a:pPr>
             <a:r>
               <a:rPr lang="en-US" sz="2400" dirty="0">
-                <a:latin typeface="Franklin Gothic Book" panose="020B0503020102020204" pitchFamily="34" charset="0"/>
+                <a:latin typeface="Arial" panose="020B0604020202020204" pitchFamily="34" charset="0"/>
+                <a:cs typeface="Arial" panose="020B0604020202020204" pitchFamily="34" charset="0"/>
               </a:rPr>
-              <a:t>//</a:t>
-            </a:r>
+              <a:t>We are building a </a:t>
+            </a:r>
+            <a:r>
+              <a:rPr lang="en-US" sz="2400" b="1" i="1" dirty="0">
+                <a:latin typeface="Arial" panose="020B0604020202020204" pitchFamily="34" charset="0"/>
+                <a:cs typeface="Arial" panose="020B0604020202020204" pitchFamily="34" charset="0"/>
+              </a:rPr>
+              <a:t>generic</a:t>
+            </a:r>
+            <a:r>
+              <a:rPr lang="en-US" sz="2400" dirty="0">
+                <a:latin typeface="Arial" panose="020B0604020202020204" pitchFamily="34" charset="0"/>
+                <a:cs typeface="Arial" panose="020B0604020202020204" pitchFamily="34" charset="0"/>
+              </a:rPr>
+              <a:t> UVM to verify the functionality of three different open-source soft processors (or any available core with the same instructions and specifications), based on three different ISAs and having different number of pipeline stages (Ri5cy, Leon 2.4 and Amber a23/a25). </a:t>
+            </a:r>
+          </a:p>
+          <a:p>
+            <a:pPr marL="0" indent="0">
+              <a:buNone/>
+            </a:pPr>
+            <a:r>
+              <a:rPr lang="en-US" sz="2400" dirty="0">
+                <a:latin typeface="Arial" panose="020B0604020202020204" pitchFamily="34" charset="0"/>
+                <a:cs typeface="Arial" panose="020B0604020202020204" pitchFamily="34" charset="0"/>
+              </a:rPr>
+              <a:t>Comparing to the related works, we found none of them hosting the same idea/concept of a generic UVM (the same UVM test bench without any tweaking) to verify different IPs or soft processors, but they are all based on a quite similar UVM components infrastructure. </a:t>
+            </a:r>
+          </a:p>
+          <a:p>
+            <a:pPr marL="0" indent="0">
+              <a:buNone/>
+            </a:pPr>
+            <a:endParaRPr lang="en-US" sz="2400" dirty="0">
+              <a:latin typeface="Franklin Gothic Book" panose="020B0503020102020204" pitchFamily="34" charset="0"/>
+            </a:endParaRPr>
           </a:p>
         </p:txBody>
       </p:sp>
@@ -12233,10 +12269,138 @@
             </a:pPr>
             <a:r>
               <a:rPr lang="en-US" sz="2400" dirty="0">
-                <a:latin typeface="Franklin Gothic Book" panose="020B0503020102020204" pitchFamily="34" charset="0"/>
+                <a:latin typeface="Arial" panose="020B0604020202020204" pitchFamily="34" charset="0"/>
+                <a:cs typeface="Arial" panose="020B0604020202020204" pitchFamily="34" charset="0"/>
               </a:rPr>
-              <a:t>//</a:t>
-            </a:r>
+              <a:t>The user can use our generic UVM test bench by doing the following steps: </a:t>
+            </a:r>
+          </a:p>
+          <a:p>
+            <a:pPr marL="457200" indent="-457200">
+              <a:buFont typeface="+mj-lt"/>
+              <a:buAutoNum type="arabicPeriod"/>
+            </a:pPr>
+            <a:r>
+              <a:rPr lang="en-US" sz="2400" dirty="0">
+                <a:latin typeface="Arial" panose="020B0604020202020204" pitchFamily="34" charset="0"/>
+                <a:cs typeface="Arial" panose="020B0604020202020204" pitchFamily="34" charset="0"/>
+              </a:rPr>
+              <a:t>download the source code from GitHub with this link: </a:t>
+            </a:r>
+            <a:r>
+              <a:rPr lang="en-US" sz="1800" dirty="0">
+                <a:solidFill>
+                  <a:srgbClr val="0000FF"/>
+                </a:solidFill>
+                <a:latin typeface="Arial" panose="020B0604020202020204" pitchFamily="34" charset="0"/>
+                <a:cs typeface="Arial" panose="020B0604020202020204" pitchFamily="34" charset="0"/>
+                <a:hlinkClick r:id="rId2"/>
+              </a:rPr>
+              <a:t>https://github.com/cufeolm/codeGP.git</a:t>
+            </a:r>
+            <a:r>
+              <a:rPr lang="en-US" sz="1800" dirty="0">
+                <a:solidFill>
+                  <a:srgbClr val="0000FF"/>
+                </a:solidFill>
+                <a:latin typeface="Arial" panose="020B0604020202020204" pitchFamily="34" charset="0"/>
+                <a:cs typeface="Arial" panose="020B0604020202020204" pitchFamily="34" charset="0"/>
+              </a:rPr>
+              <a:t> </a:t>
+            </a:r>
+          </a:p>
+          <a:p>
+            <a:pPr marL="457200" indent="-457200">
+              <a:buFont typeface="+mj-lt"/>
+              <a:buAutoNum type="arabicPeriod"/>
+            </a:pPr>
+            <a:r>
+              <a:rPr lang="en-US" sz="2400" dirty="0">
+                <a:latin typeface="Arial" panose="020B0604020202020204" pitchFamily="34" charset="0"/>
+                <a:cs typeface="Arial" panose="020B0604020202020204" pitchFamily="34" charset="0"/>
+              </a:rPr>
+              <a:t>Run the .bat file of the desired core to start the test bench: </a:t>
+            </a:r>
+            <a:r>
+              <a:rPr lang="en-US" sz="2400" b="1" i="1" dirty="0">
+                <a:latin typeface="Arial" panose="020B0604020202020204" pitchFamily="34" charset="0"/>
+                <a:cs typeface="Arial" panose="020B0604020202020204" pitchFamily="34" charset="0"/>
+              </a:rPr>
+              <a:t>a.bat</a:t>
+            </a:r>
+            <a:r>
+              <a:rPr lang="en-US" sz="2400" dirty="0">
+                <a:latin typeface="Arial" panose="020B0604020202020204" pitchFamily="34" charset="0"/>
+                <a:cs typeface="Arial" panose="020B0604020202020204" pitchFamily="34" charset="0"/>
+              </a:rPr>
+              <a:t> for Amber core, </a:t>
+            </a:r>
+            <a:r>
+              <a:rPr lang="en-US" sz="2400" b="1" i="1" dirty="0">
+                <a:latin typeface="Arial" panose="020B0604020202020204" pitchFamily="34" charset="0"/>
+                <a:cs typeface="Arial" panose="020B0604020202020204" pitchFamily="34" charset="0"/>
+              </a:rPr>
+              <a:t>l.bat </a:t>
+            </a:r>
+            <a:r>
+              <a:rPr lang="en-US" sz="2400" dirty="0">
+                <a:latin typeface="Arial" panose="020B0604020202020204" pitchFamily="34" charset="0"/>
+                <a:cs typeface="Arial" panose="020B0604020202020204" pitchFamily="34" charset="0"/>
+              </a:rPr>
+              <a:t>for Leon core and </a:t>
+            </a:r>
+            <a:r>
+              <a:rPr lang="en-US" sz="2400" b="1" i="1" dirty="0">
+                <a:latin typeface="Arial" panose="020B0604020202020204" pitchFamily="34" charset="0"/>
+                <a:cs typeface="Arial" panose="020B0604020202020204" pitchFamily="34" charset="0"/>
+              </a:rPr>
+              <a:t>r.bat </a:t>
+            </a:r>
+            <a:r>
+              <a:rPr lang="en-US" sz="2400" dirty="0">
+                <a:latin typeface="Arial" panose="020B0604020202020204" pitchFamily="34" charset="0"/>
+                <a:cs typeface="Arial" panose="020B0604020202020204" pitchFamily="34" charset="0"/>
+              </a:rPr>
+              <a:t>for Ri5cy core.</a:t>
+            </a:r>
+          </a:p>
+          <a:p>
+            <a:pPr marL="457200" indent="-457200">
+              <a:buFont typeface="+mj-lt"/>
+              <a:buAutoNum type="arabicPeriod"/>
+            </a:pPr>
+            <a:r>
+              <a:rPr lang="en-US" sz="2400" dirty="0">
+                <a:latin typeface="Arial" panose="020B0604020202020204" pitchFamily="34" charset="0"/>
+                <a:cs typeface="Arial" panose="020B0604020202020204" pitchFamily="34" charset="0"/>
+              </a:rPr>
+              <a:t>Check the transcript file for results.</a:t>
+            </a:r>
+          </a:p>
+          <a:p>
+            <a:pPr marL="0" indent="0">
+              <a:buNone/>
+            </a:pPr>
+            <a:r>
+              <a:rPr lang="en-US" sz="2400" dirty="0">
+                <a:latin typeface="Arial" panose="020B0604020202020204" pitchFamily="34" charset="0"/>
+                <a:cs typeface="Arial" panose="020B0604020202020204" pitchFamily="34" charset="0"/>
+              </a:rPr>
+              <a:t>The following figures in the next slide are screenshots from the transcript showing the result of the generic UVM.</a:t>
+            </a:r>
+          </a:p>
+          <a:p>
+            <a:pPr marL="457200" indent="-457200">
+              <a:buFont typeface="+mj-lt"/>
+              <a:buAutoNum type="arabicPeriod"/>
+            </a:pPr>
+            <a:endParaRPr lang="en-US" sz="1800" dirty="0">
+              <a:solidFill>
+                <a:srgbClr val="0000FF"/>
+              </a:solidFill>
+              <a:latin typeface="Arial" panose="020B0604020202020204" pitchFamily="34" charset="0"/>
+              <a:cs typeface="Arial" panose="020B0604020202020204" pitchFamily="34" charset="0"/>
+            </a:endParaRPr>
           </a:p>
         </p:txBody>
       </p:sp>
@@ -12254,6 +12418,234 @@
 </file>
 
 <file path=ppt/slides/slide13.xml><?xml version="1.0" encoding="utf-8"?>
+<p:sld xmlns:a="http://schemas.openxmlformats.org/drawingml/2006/main" xmlns:r="http://schemas.openxmlformats.org/officeDocument/2006/relationships" xmlns:p="http://schemas.openxmlformats.org/presentationml/2006/main">
+  <p:cSld>
+    <p:spTree>
+      <p:nvGrpSpPr>
+        <p:cNvPr id="1" name=""/>
+        <p:cNvGrpSpPr/>
+        <p:nvPr/>
+      </p:nvGrpSpPr>
+      <p:grpSpPr>
+        <a:xfrm>
+          <a:off x="0" y="0"/>
+          <a:ext cx="0" cy="0"/>
+          <a:chOff x="0" y="0"/>
+          <a:chExt cx="0" cy="0"/>
+        </a:xfrm>
+      </p:grpSpPr>
+      <p:pic>
+        <p:nvPicPr>
+          <p:cNvPr id="2" name="Picture 1">
+            <a:extLst>
+              <a:ext uri="{FF2B5EF4-FFF2-40B4-BE49-F238E27FC236}">
+                <a16:creationId xmlns:a16="http://schemas.microsoft.com/office/drawing/2014/main" id="{AFD33F3E-BDFE-40E8-9740-FB8F7FB714FA}"/>
+              </a:ext>
+            </a:extLst>
+          </p:cNvPr>
+          <p:cNvPicPr>
+            <a:picLocks noChangeAspect="1"/>
+          </p:cNvPicPr>
+          <p:nvPr/>
+        </p:nvPicPr>
+        <p:blipFill>
+          <a:blip r:embed="rId2"/>
+          <a:stretch>
+            <a:fillRect/>
+          </a:stretch>
+        </p:blipFill>
+        <p:spPr>
+          <a:xfrm>
+            <a:off x="3167400" y="159443"/>
+            <a:ext cx="5857197" cy="2811972"/>
+          </a:xfrm>
+          <a:prstGeom prst="rect">
+            <a:avLst/>
+          </a:prstGeom>
+        </p:spPr>
+      </p:pic>
+      <p:pic>
+        <p:nvPicPr>
+          <p:cNvPr id="3" name="Picture 2">
+            <a:extLst>
+              <a:ext uri="{FF2B5EF4-FFF2-40B4-BE49-F238E27FC236}">
+                <a16:creationId xmlns:a16="http://schemas.microsoft.com/office/drawing/2014/main" id="{D309C6E1-9FDA-43C5-B4A1-D44272DA7C91}"/>
+              </a:ext>
+            </a:extLst>
+          </p:cNvPr>
+          <p:cNvPicPr>
+            <a:picLocks noChangeAspect="1"/>
+          </p:cNvPicPr>
+          <p:nvPr/>
+        </p:nvPicPr>
+        <p:blipFill>
+          <a:blip r:embed="rId3"/>
+          <a:stretch>
+            <a:fillRect/>
+          </a:stretch>
+        </p:blipFill>
+        <p:spPr>
+          <a:xfrm>
+            <a:off x="238803" y="3519939"/>
+            <a:ext cx="5857197" cy="2827757"/>
+          </a:xfrm>
+          <a:prstGeom prst="rect">
+            <a:avLst/>
+          </a:prstGeom>
+        </p:spPr>
+      </p:pic>
+      <p:sp>
+        <p:nvSpPr>
+          <p:cNvPr id="4" name="TextBox 3">
+            <a:extLst>
+              <a:ext uri="{FF2B5EF4-FFF2-40B4-BE49-F238E27FC236}">
+                <a16:creationId xmlns:a16="http://schemas.microsoft.com/office/drawing/2014/main" id="{51260E22-1A7E-4464-AF20-48BD97C710BB}"/>
+              </a:ext>
+            </a:extLst>
+          </p:cNvPr>
+          <p:cNvSpPr txBox="1"/>
+          <p:nvPr/>
+        </p:nvSpPr>
+        <p:spPr>
+          <a:xfrm>
+            <a:off x="4969496" y="2971415"/>
+            <a:ext cx="2253006" cy="369332"/>
+          </a:xfrm>
+          <a:prstGeom prst="rect">
+            <a:avLst/>
+          </a:prstGeom>
+          <a:noFill/>
+        </p:spPr>
+        <p:txBody>
+          <a:bodyPr wrap="square" rtlCol="0">
+            <a:spAutoFit/>
+          </a:bodyPr>
+          <a:lstStyle/>
+          <a:p>
+            <a:pPr algn="ctr"/>
+            <a:r>
+              <a:rPr lang="en-US" dirty="0"/>
+              <a:t>Ri5cy core</a:t>
+            </a:r>
+          </a:p>
+        </p:txBody>
+      </p:sp>
+      <p:sp>
+        <p:nvSpPr>
+          <p:cNvPr id="5" name="TextBox 4">
+            <a:extLst>
+              <a:ext uri="{FF2B5EF4-FFF2-40B4-BE49-F238E27FC236}">
+                <a16:creationId xmlns:a16="http://schemas.microsoft.com/office/drawing/2014/main" id="{26A26C7A-30DD-4588-9A37-EA4E2DE08F54}"/>
+              </a:ext>
+            </a:extLst>
+          </p:cNvPr>
+          <p:cNvSpPr txBox="1"/>
+          <p:nvPr/>
+        </p:nvSpPr>
+        <p:spPr>
+          <a:xfrm>
+            <a:off x="2040898" y="6347696"/>
+            <a:ext cx="2253006" cy="369332"/>
+          </a:xfrm>
+          <a:prstGeom prst="rect">
+            <a:avLst/>
+          </a:prstGeom>
+          <a:noFill/>
+        </p:spPr>
+        <p:txBody>
+          <a:bodyPr wrap="square" rtlCol="0">
+            <a:spAutoFit/>
+          </a:bodyPr>
+          <a:lstStyle/>
+          <a:p>
+            <a:pPr algn="ctr"/>
+            <a:r>
+              <a:rPr lang="en-US" dirty="0"/>
+              <a:t>Amber core</a:t>
+            </a:r>
+          </a:p>
+        </p:txBody>
+      </p:sp>
+      <p:pic>
+        <p:nvPicPr>
+          <p:cNvPr id="6" name="Picture 5">
+            <a:extLst>
+              <a:ext uri="{FF2B5EF4-FFF2-40B4-BE49-F238E27FC236}">
+                <a16:creationId xmlns:a16="http://schemas.microsoft.com/office/drawing/2014/main" id="{E358AFA7-E95E-47BC-BD16-3D65DD0EDB06}"/>
+              </a:ext>
+            </a:extLst>
+          </p:cNvPr>
+          <p:cNvPicPr>
+            <a:picLocks noChangeAspect="1"/>
+          </p:cNvPicPr>
+          <p:nvPr/>
+        </p:nvPicPr>
+        <p:blipFill>
+          <a:blip r:embed="rId4"/>
+          <a:stretch>
+            <a:fillRect/>
+          </a:stretch>
+        </p:blipFill>
+        <p:spPr>
+          <a:xfrm>
+            <a:off x="6283428" y="3517254"/>
+            <a:ext cx="5669769" cy="2811972"/>
+          </a:xfrm>
+          <a:prstGeom prst="rect">
+            <a:avLst/>
+          </a:prstGeom>
+        </p:spPr>
+      </p:pic>
+      <p:sp>
+        <p:nvSpPr>
+          <p:cNvPr id="7" name="TextBox 6">
+            <a:extLst>
+              <a:ext uri="{FF2B5EF4-FFF2-40B4-BE49-F238E27FC236}">
+                <a16:creationId xmlns:a16="http://schemas.microsoft.com/office/drawing/2014/main" id="{CD4FD4EB-1D18-41C7-BFBD-39B2F9085F0C}"/>
+              </a:ext>
+            </a:extLst>
+          </p:cNvPr>
+          <p:cNvSpPr txBox="1"/>
+          <p:nvPr/>
+        </p:nvSpPr>
+        <p:spPr>
+          <a:xfrm>
+            <a:off x="7991809" y="6352724"/>
+            <a:ext cx="2253006" cy="369332"/>
+          </a:xfrm>
+          <a:prstGeom prst="rect">
+            <a:avLst/>
+          </a:prstGeom>
+          <a:noFill/>
+        </p:spPr>
+        <p:txBody>
+          <a:bodyPr wrap="square" rtlCol="0">
+            <a:spAutoFit/>
+          </a:bodyPr>
+          <a:lstStyle/>
+          <a:p>
+            <a:pPr algn="ctr"/>
+            <a:r>
+              <a:rPr lang="en-US" dirty="0"/>
+              <a:t>Leon core</a:t>
+            </a:r>
+          </a:p>
+        </p:txBody>
+      </p:sp>
+    </p:spTree>
+    <p:extLst>
+      <p:ext uri="{BB962C8B-B14F-4D97-AF65-F5344CB8AC3E}">
+        <p14:creationId xmlns:p14="http://schemas.microsoft.com/office/powerpoint/2010/main" val="441899132"/>
+      </p:ext>
+    </p:extLst>
+  </p:cSld>
+  <p:clrMapOvr>
+    <a:masterClrMapping/>
+  </p:clrMapOvr>
+</p:sld>
+</file>
+
+<file path=ppt/slides/slide14.xml><?xml version="1.0" encoding="utf-8"?>
 <p:sld xmlns:a="http://schemas.openxmlformats.org/drawingml/2006/main" xmlns:r="http://schemas.openxmlformats.org/officeDocument/2006/relationships" xmlns:p="http://schemas.openxmlformats.org/presentationml/2006/main">
   <p:cSld>
     <p:spTree>
@@ -12365,7 +12757,7 @@
         </p:spPr>
         <p:txBody>
           <a:bodyPr>
-            <a:normAutofit/>
+            <a:normAutofit lnSpcReduction="10000"/>
           </a:bodyPr>
           <a:lstStyle>
             <a:lvl1pPr marL="228600" indent="-228600" algn="l" defTabSz="914400" rtl="0" eaLnBrk="1" latinLnBrk="0" hangingPunct="1">
@@ -12537,10 +12929,131 @@
             </a:pPr>
             <a:r>
               <a:rPr lang="en-US" sz="2400" dirty="0">
-                <a:latin typeface="Franklin Gothic Book" panose="020B0503020102020204" pitchFamily="34" charset="0"/>
+                <a:latin typeface="Arial" panose="020B0604020202020204" pitchFamily="34" charset="0"/>
+                <a:cs typeface="Arial" panose="020B0604020202020204" pitchFamily="34" charset="0"/>
               </a:rPr>
-              <a:t>//</a:t>
-            </a:r>
+              <a:t>As a conclusion: with our 1</a:t>
+            </a:r>
+            <a:r>
+              <a:rPr lang="en-US" sz="2400" baseline="30000" dirty="0">
+                <a:latin typeface="Arial" panose="020B0604020202020204" pitchFamily="34" charset="0"/>
+                <a:cs typeface="Arial" panose="020B0604020202020204" pitchFamily="34" charset="0"/>
+              </a:rPr>
+              <a:t>st</a:t>
+            </a:r>
+            <a:r>
+              <a:rPr lang="en-US" sz="2400" dirty="0">
+                <a:latin typeface="Arial" panose="020B0604020202020204" pitchFamily="34" charset="0"/>
+                <a:cs typeface="Arial" panose="020B0604020202020204" pitchFamily="34" charset="0"/>
+              </a:rPr>
+              <a:t> milestone of the implementation of the generic UVM, we have successfully proven the possibility/idea of creating only one UVM to verify more </a:t>
+            </a:r>
+            <a:r>
+              <a:rPr lang="en-US" sz="2400">
+                <a:latin typeface="Arial" panose="020B0604020202020204" pitchFamily="34" charset="0"/>
+                <a:cs typeface="Arial" panose="020B0604020202020204" pitchFamily="34" charset="0"/>
+              </a:rPr>
+              <a:t>than one core </a:t>
+            </a:r>
+            <a:r>
+              <a:rPr lang="en-US" sz="2400" dirty="0">
+                <a:latin typeface="Arial" panose="020B0604020202020204" pitchFamily="34" charset="0"/>
+                <a:cs typeface="Arial" panose="020B0604020202020204" pitchFamily="34" charset="0"/>
+              </a:rPr>
+              <a:t>(soft processor).</a:t>
+            </a:r>
+          </a:p>
+          <a:p>
+            <a:pPr marL="0" indent="0">
+              <a:buNone/>
+            </a:pPr>
+            <a:r>
+              <a:rPr lang="en-US" sz="2400" dirty="0">
+                <a:latin typeface="Arial" panose="020B0604020202020204" pitchFamily="34" charset="0"/>
+                <a:cs typeface="Arial" panose="020B0604020202020204" pitchFamily="34" charset="0"/>
+              </a:rPr>
+              <a:t>The next milestones will cover the following:  </a:t>
+            </a:r>
+          </a:p>
+          <a:p>
+            <a:pPr marL="457200" indent="-457200">
+              <a:buAutoNum type="arabicPeriod"/>
+            </a:pPr>
+            <a:r>
+              <a:rPr lang="en-US" sz="2400" dirty="0">
+                <a:latin typeface="Arial" panose="020B0604020202020204" pitchFamily="34" charset="0"/>
+                <a:cs typeface="Arial" panose="020B0604020202020204" pitchFamily="34" charset="0"/>
+              </a:rPr>
+              <a:t>Testing the functionality of the rest of  the instructions of the three different cores.</a:t>
+            </a:r>
+          </a:p>
+          <a:p>
+            <a:pPr marL="457200" indent="-457200">
+              <a:buAutoNum type="arabicPeriod"/>
+            </a:pPr>
+            <a:r>
+              <a:rPr lang="en-US" sz="2400" dirty="0">
+                <a:latin typeface="Arial" panose="020B0604020202020204" pitchFamily="34" charset="0"/>
+                <a:cs typeface="Arial" panose="020B0604020202020204" pitchFamily="34" charset="0"/>
+              </a:rPr>
+              <a:t>Negative testing.</a:t>
+            </a:r>
+          </a:p>
+          <a:p>
+            <a:pPr marL="0" indent="0">
+              <a:buNone/>
+            </a:pPr>
+            <a:r>
+              <a:rPr lang="en-US" sz="2400" dirty="0">
+                <a:latin typeface="Arial" panose="020B0604020202020204" pitchFamily="34" charset="0"/>
+                <a:cs typeface="Arial" panose="020B0604020202020204" pitchFamily="34" charset="0"/>
+              </a:rPr>
+              <a:t>Future work:</a:t>
+            </a:r>
+          </a:p>
+          <a:p>
+            <a:pPr marL="457200" indent="-457200">
+              <a:buAutoNum type="arabicPeriod"/>
+            </a:pPr>
+            <a:r>
+              <a:rPr lang="en-US" sz="2400" dirty="0">
+                <a:latin typeface="Arial" panose="020B0604020202020204" pitchFamily="34" charset="0"/>
+                <a:cs typeface="Arial" panose="020B0604020202020204" pitchFamily="34" charset="0"/>
+              </a:rPr>
+              <a:t>A complete coverage for the three DUTs.</a:t>
+            </a:r>
+          </a:p>
+          <a:p>
+            <a:pPr marL="457200" indent="-457200">
+              <a:buAutoNum type="arabicPeriod"/>
+            </a:pPr>
+            <a:r>
+              <a:rPr lang="en-US" sz="2400" dirty="0">
+                <a:latin typeface="Arial" panose="020B0604020202020204" pitchFamily="34" charset="0"/>
+                <a:cs typeface="Arial" panose="020B0604020202020204" pitchFamily="34" charset="0"/>
+              </a:rPr>
+              <a:t>Applying the concept of the generic UVM on a complete SOC.</a:t>
+            </a:r>
+          </a:p>
+          <a:p>
+            <a:pPr marL="457200" indent="-457200">
+              <a:buAutoNum type="arabicPeriod"/>
+            </a:pPr>
+            <a:r>
+              <a:rPr lang="en-US" sz="2400" dirty="0">
+                <a:latin typeface="Arial" panose="020B0604020202020204" pitchFamily="34" charset="0"/>
+                <a:cs typeface="Arial" panose="020B0604020202020204" pitchFamily="34" charset="0"/>
+              </a:rPr>
+              <a:t>Applying different machine learning algorithms to reach the golden dream/goal: only one verification methodology to verify everything.</a:t>
+            </a:r>
+          </a:p>
+          <a:p>
+            <a:pPr marL="0" indent="0">
+              <a:buNone/>
+            </a:pPr>
+            <a:endParaRPr lang="en-US" sz="2400" dirty="0">
+              <a:latin typeface="Franklin Gothic Book" panose="020B0503020102020204" pitchFamily="34" charset="0"/>
+            </a:endParaRPr>
           </a:p>
         </p:txBody>
       </p:sp>
@@ -12899,7 +13412,7 @@
         </p:spPr>
         <p:txBody>
           <a:bodyPr>
-            <a:normAutofit/>
+            <a:normAutofit lnSpcReduction="10000"/>
           </a:bodyPr>
           <a:lstStyle>
             <a:lvl1pPr marL="228600" indent="-228600" algn="l" defTabSz="914400" rtl="0" eaLnBrk="1" latinLnBrk="0" hangingPunct="1">
@@ -13066,15 +13579,93 @@
             </a:lvl9pPr>
           </a:lstStyle>
           <a:p>
+            <a:r>
+              <a:rPr lang="en-US" sz="2300" dirty="0">
+                <a:latin typeface="Arial" panose="020B0604020202020204" pitchFamily="34" charset="0"/>
+                <a:cs typeface="Arial" panose="020B0604020202020204" pitchFamily="34" charset="0"/>
+              </a:rPr>
+              <a:t>Leading up to the past decade, Digital IC development and verification suffered severely, due to lack of efficiency and testing constraints on manually-established test benches. Older environments included poorly-written VHDL/Verilog models, and almost 60% of the total project time involved an extreme hassle to adequately verily or even achieve basic functional testing.</a:t>
+            </a:r>
+          </a:p>
+          <a:p>
+            <a:r>
+              <a:rPr lang="en-US" sz="2300" dirty="0">
+                <a:latin typeface="Arial" panose="020B0604020202020204" pitchFamily="34" charset="0"/>
+                <a:cs typeface="Arial" panose="020B0604020202020204" pitchFamily="34" charset="0"/>
+              </a:rPr>
+              <a:t>Although System Verilog quickly took the mantle as the industry’s first </a:t>
+            </a:r>
+            <a:r>
+              <a:rPr lang="en-US" sz="2300" i="1" dirty="0">
+                <a:latin typeface="Arial" panose="020B0604020202020204" pitchFamily="34" charset="0"/>
+                <a:cs typeface="Arial" panose="020B0604020202020204" pitchFamily="34" charset="0"/>
+              </a:rPr>
+              <a:t>Hardware Description and Verification Language (HDVL)</a:t>
+            </a:r>
+            <a:r>
+              <a:rPr lang="en-US" sz="2300" dirty="0">
+                <a:latin typeface="Arial" panose="020B0604020202020204" pitchFamily="34" charset="0"/>
+                <a:cs typeface="Arial" panose="020B0604020202020204" pitchFamily="34" charset="0"/>
+              </a:rPr>
+              <a:t>, it wasn’t long until proper verification plans and </a:t>
+            </a:r>
+            <a:r>
+              <a:rPr lang="en-US" sz="2300" i="1" dirty="0">
+                <a:latin typeface="Arial" panose="020B0604020202020204" pitchFamily="34" charset="0"/>
+                <a:cs typeface="Arial" panose="020B0604020202020204" pitchFamily="34" charset="0"/>
+              </a:rPr>
+              <a:t>Constrained-Random Verification (CRV) </a:t>
+            </a:r>
+            <a:r>
+              <a:rPr lang="en-US" sz="2300" dirty="0">
+                <a:latin typeface="Arial" panose="020B0604020202020204" pitchFamily="34" charset="0"/>
+                <a:cs typeface="Arial" panose="020B0604020202020204" pitchFamily="34" charset="0"/>
+              </a:rPr>
+              <a:t>were introduced as main pillars of the </a:t>
+            </a:r>
+            <a:r>
+              <a:rPr lang="en-US" sz="2300" b="1" dirty="0">
+                <a:latin typeface="Arial" panose="020B0604020202020204" pitchFamily="34" charset="0"/>
+                <a:cs typeface="Arial" panose="020B0604020202020204" pitchFamily="34" charset="0"/>
+              </a:rPr>
+              <a:t>Universal Verification Methodology (UVM)</a:t>
+            </a:r>
+            <a:r>
+              <a:rPr lang="en-GB" sz="2300" dirty="0">
+                <a:latin typeface="Arial" panose="020B0604020202020204" pitchFamily="34" charset="0"/>
+                <a:cs typeface="Arial" panose="020B0604020202020204" pitchFamily="34" charset="0"/>
+              </a:rPr>
+              <a:t>; implementing a real-world test-case generator in a pseudo-random controlled and constrained randomness.</a:t>
+            </a:r>
+          </a:p>
+          <a:p>
+            <a:r>
+              <a:rPr lang="en-US" sz="2300" b="1" dirty="0">
+                <a:latin typeface="Arial" panose="020B0604020202020204" pitchFamily="34" charset="0"/>
+                <a:cs typeface="Arial" panose="020B0604020202020204" pitchFamily="34" charset="0"/>
+              </a:rPr>
+              <a:t>UVM </a:t>
+            </a:r>
+            <a:r>
+              <a:rPr lang="en-US" sz="2300" dirty="0">
+                <a:latin typeface="Arial" panose="020B0604020202020204" pitchFamily="34" charset="0"/>
+                <a:cs typeface="Arial" panose="020B0604020202020204" pitchFamily="34" charset="0"/>
+              </a:rPr>
+              <a:t>blocks can tackle complex multiple-pipeline CPU designs/ISA’s, including multiple-precision operations; while being absolutely re-usable, encapsulated, and accommodates wide range of design sizes and types, in addition to providing functional coverage methodologies.</a:t>
+            </a:r>
+            <a:endParaRPr lang="en-US" sz="2300" b="1" dirty="0">
+              <a:latin typeface="Arial" panose="020B0604020202020204" pitchFamily="34" charset="0"/>
+              <a:cs typeface="Arial" panose="020B0604020202020204" pitchFamily="34" charset="0"/>
+            </a:endParaRPr>
+          </a:p>
+          <a:p>
             <a:pPr marL="0" indent="0">
               <a:buNone/>
             </a:pPr>
-            <a:r>
-              <a:rPr lang="en-US" sz="2400" dirty="0">
-                <a:latin typeface="Franklin Gothic Book" panose="020B0503020102020204" pitchFamily="34" charset="0"/>
-              </a:rPr>
-              <a:t>//</a:t>
-            </a:r>
+            <a:endParaRPr lang="en-US" sz="2400" dirty="0">
+              <a:latin typeface="Arial" panose="020B0604020202020204" pitchFamily="34" charset="0"/>
+              <a:cs typeface="Arial" panose="020B0604020202020204" pitchFamily="34" charset="0"/>
+            </a:endParaRPr>
           </a:p>
         </p:txBody>
       </p:sp>
@@ -13415,7 +14006,7 @@
                 <a:latin typeface="Arial" panose="020B0604020202020204" pitchFamily="34" charset="0"/>
                 <a:cs typeface="Arial" panose="020B0604020202020204" pitchFamily="34" charset="0"/>
               </a:rPr>
-              <a:t>The time spent by the verification engineers to verify the functionality of any design using ordinary verification plans consumes more than 60% of the total project time.</a:t>
+              <a:t>The time spent by the verification engineers to verify the functionality of any complex design using ordinary verification plans consumes more than half of the total project time.</a:t>
             </a:r>
           </a:p>
           <a:p>
@@ -14142,9 +14733,72 @@
             </a:pPr>
             <a:r>
               <a:rPr lang="en-US" sz="2400" dirty="0">
-                <a:latin typeface="Franklin Gothic Book" panose="020B0503020102020204" pitchFamily="34" charset="0"/>
+                <a:latin typeface="Arial" panose="020B0604020202020204" pitchFamily="34" charset="0"/>
+                <a:cs typeface="Arial" panose="020B0604020202020204" pitchFamily="34" charset="0"/>
               </a:rPr>
-              <a:t>//</a:t>
+              <a:t>We didn’t find any related works with the same idea/concept of a generic UVM (the same UVM test bench without any tweaking) to verify different IPs or soft processors (cores); all the related works are based on the idea of implementing a UVM test bench to verify only one DUT (can be reused but after tweaking the source code itself).</a:t>
+            </a:r>
+          </a:p>
+          <a:p>
+            <a:pPr marL="0" indent="0">
+              <a:buNone/>
+            </a:pPr>
+            <a:r>
+              <a:rPr lang="en-US" sz="2400" dirty="0">
+                <a:latin typeface="Arial" panose="020B0604020202020204" pitchFamily="34" charset="0"/>
+                <a:cs typeface="Arial" panose="020B0604020202020204" pitchFamily="34" charset="0"/>
+              </a:rPr>
+              <a:t>Some of the references we toke as guidelines during this milestone:</a:t>
+            </a:r>
+          </a:p>
+          <a:p>
+            <a:pPr marL="457200" indent="-457200">
+              <a:buAutoNum type="arabicPeriod"/>
+            </a:pPr>
+            <a:r>
+              <a:rPr lang="en-US" sz="2400" dirty="0">
+                <a:latin typeface="Arial" panose="020B0604020202020204" pitchFamily="34" charset="0"/>
+                <a:cs typeface="Arial" panose="020B0604020202020204" pitchFamily="34" charset="0"/>
+              </a:rPr>
+              <a:t>“The UVM Primer: An Introduction to the Universal Verification Methodology” by Ray </a:t>
+            </a:r>
+            <a:r>
+              <a:rPr lang="en-US" sz="2400" dirty="0" err="1">
+                <a:latin typeface="Arial" panose="020B0604020202020204" pitchFamily="34" charset="0"/>
+                <a:cs typeface="Arial" panose="020B0604020202020204" pitchFamily="34" charset="0"/>
+              </a:rPr>
+              <a:t>Salemi</a:t>
+            </a:r>
+            <a:r>
+              <a:rPr lang="en-US" sz="2400" dirty="0">
+                <a:latin typeface="Arial" panose="020B0604020202020204" pitchFamily="34" charset="0"/>
+                <a:cs typeface="Arial" panose="020B0604020202020204" pitchFamily="34" charset="0"/>
+              </a:rPr>
+              <a:t>. </a:t>
+            </a:r>
+          </a:p>
+          <a:p>
+            <a:pPr marL="457200" indent="-457200">
+              <a:buAutoNum type="arabicPeriod"/>
+            </a:pPr>
+            <a:r>
+              <a:rPr lang="en-US" sz="2400" dirty="0">
+                <a:latin typeface="Arial" panose="020B0604020202020204" pitchFamily="34" charset="0"/>
+                <a:cs typeface="Arial" panose="020B0604020202020204" pitchFamily="34" charset="0"/>
+              </a:rPr>
+              <a:t>“Five Stage Pipelined MIPS Processor Veriﬁcation using UVM” from GitHub + the source code.</a:t>
+            </a:r>
+          </a:p>
+          <a:p>
+            <a:pPr marL="457200" indent="-457200">
+              <a:buAutoNum type="arabicPeriod"/>
+            </a:pPr>
+            <a:r>
+              <a:rPr lang="en-US" sz="2400" dirty="0">
+                <a:latin typeface="Arial" panose="020B0604020202020204" pitchFamily="34" charset="0"/>
+                <a:cs typeface="Arial" panose="020B0604020202020204" pitchFamily="34" charset="0"/>
+              </a:rPr>
+              <a:t>“UVM Cookbook” from Mentor Graphics Verification Academy. </a:t>
             </a:r>
           </a:p>
         </p:txBody>
@@ -14643,7 +15297,7 @@
           <p:nvPr>
             <p:extLst>
               <p:ext uri="{D42A27DB-BD31-4B8C-83A1-F6EECF244321}">
-                <p14:modId xmlns:p14="http://schemas.microsoft.com/office/powerpoint/2010/main" val="2935704989"/>
+                <p14:modId xmlns:p14="http://schemas.microsoft.com/office/powerpoint/2010/main" val="1080070173"/>
               </p:ext>
             </p:extLst>
           </p:nvPr>
@@ -14697,7 +15351,11 @@
                       </a:r>
                     </a:p>
                   </a:txBody>
-                  <a:tcPr/>
+                  <a:tcPr>
+                    <a:solidFill>
+                      <a:schemeClr val="bg2"/>
+                    </a:solidFill>
+                  </a:tcPr>
                 </a:tc>
                 <a:tc>
                   <a:txBody>
@@ -14714,7 +15372,11 @@
                       </a:r>
                     </a:p>
                   </a:txBody>
-                  <a:tcPr/>
+                  <a:tcPr>
+                    <a:solidFill>
+                      <a:schemeClr val="bg2"/>
+                    </a:solidFill>
+                  </a:tcPr>
                 </a:tc>
                 <a:tc>
                   <a:txBody>
@@ -14731,7 +15393,11 @@
                       </a:r>
                     </a:p>
                   </a:txBody>
-                  <a:tcPr/>
+                  <a:tcPr>
+                    <a:solidFill>
+                      <a:schemeClr val="bg2"/>
+                    </a:solidFill>
+                  </a:tcPr>
                 </a:tc>
                 <a:extLst>
                   <a:ext uri="{0D108BD9-81ED-4DB2-BD59-A6C34878D82A}">
@@ -15064,19 +15730,8 @@
                           <a:latin typeface="Arial" panose="020B0604020202020204" pitchFamily="34" charset="0"/>
                           <a:cs typeface="Arial" panose="020B0604020202020204" pitchFamily="34" charset="0"/>
                         </a:rPr>
-                        <a:t>Implementing the Sequence, the Sequence items </a:t>
+                        <a:t>Implementing the Sequence, the Sequence items and the Packages</a:t>
                       </a:r>
-                      <a:r>
-                        <a:rPr lang="en-US" sz="1300">
-                          <a:latin typeface="Arial" panose="020B0604020202020204" pitchFamily="34" charset="0"/>
-                          <a:cs typeface="Arial" panose="020B0604020202020204" pitchFamily="34" charset="0"/>
-                        </a:rPr>
-                        <a:t>and the Packages</a:t>
-                      </a:r>
-                      <a:endParaRPr lang="en-US" sz="1300" dirty="0">
-                        <a:latin typeface="Arial" panose="020B0604020202020204" pitchFamily="34" charset="0"/>
-                        <a:cs typeface="Arial" panose="020B0604020202020204" pitchFamily="34" charset="0"/>
-                      </a:endParaRPr>
                     </a:p>
                   </a:txBody>
                   <a:tcPr/>
